--- a/Individual_Contribution/GabrielGaleote/proofOfConcept/proofOfConcept.pptx
+++ b/Individual_Contribution/GabrielGaleote/proofOfConcept/proofOfConcept.pptx
@@ -4183,8 +4183,8 @@
           <p:nvPr/>
         </p:nvSpPr>
         <p:spPr>
-          <a:xfrm rot="16200000">
-            <a:off x="4084320" y="2676988"/>
+          <a:xfrm>
+            <a:off x="4005250" y="2670870"/>
             <a:ext cx="1828800" cy="1718510"/>
           </a:xfrm>
           <a:prstGeom prst="ellipse">

--- a/Individual_Contribution/GabrielGaleote/proofOfConcept/proofOfConcept.pptx
+++ b/Individual_Contribution/GabrielGaleote/proofOfConcept/proofOfConcept.pptx
@@ -5,10 +5,11 @@
     <p:sldMasterId id="2147483648" r:id="rId1"/>
   </p:sldMasterIdLst>
   <p:sldIdLst>
-    <p:sldId id="256" r:id="rId2"/>
-    <p:sldId id="257" r:id="rId3"/>
-    <p:sldId id="258" r:id="rId4"/>
+    <p:sldId id="257" r:id="rId2"/>
+    <p:sldId id="258" r:id="rId3"/>
+    <p:sldId id="260" r:id="rId4"/>
     <p:sldId id="259" r:id="rId5"/>
+    <p:sldId id="261" r:id="rId6"/>
   </p:sldIdLst>
   <p:sldSz cx="12192000" cy="6858000"/>
   <p:notesSz cx="12192000" cy="6858000"/>
@@ -265,7 +266,7 @@
           <a:p>
             <a:fld id="{1D8BD707-D9CF-40AE-B4C6-C98DA3205C09}" type="datetimeFigureOut">
               <a:rPr lang="en-US"/>
-              <a:t>5/18/2019</a:t>
+              <a:t>5/21/2019</a:t>
             </a:fld>
             <a:endParaRPr lang="en-US"/>
           </a:p>
@@ -440,7 +441,7 @@
           <a:p>
             <a:fld id="{1D8BD707-D9CF-40AE-B4C6-C98DA3205C09}" type="datetimeFigureOut">
               <a:rPr lang="en-US"/>
-              <a:t>5/18/2019</a:t>
+              <a:t>5/21/2019</a:t>
             </a:fld>
             <a:endParaRPr lang="en-US"/>
           </a:p>
@@ -654,7 +655,7 @@
           <a:p>
             <a:fld id="{1D8BD707-D9CF-40AE-B4C6-C98DA3205C09}" type="datetimeFigureOut">
               <a:rPr lang="en-US"/>
-              <a:t>5/18/2019</a:t>
+              <a:t>5/21/2019</a:t>
             </a:fld>
             <a:endParaRPr lang="en-US"/>
           </a:p>
@@ -802,7 +803,7 @@
           <a:p>
             <a:fld id="{1D8BD707-D9CF-40AE-B4C6-C98DA3205C09}" type="datetimeFigureOut">
               <a:rPr lang="en-US"/>
-              <a:t>5/18/2019</a:t>
+              <a:t>5/21/2019</a:t>
             </a:fld>
             <a:endParaRPr lang="en-US"/>
           </a:p>
@@ -1031,7 +1032,7 @@
           <a:p>
             <a:fld id="{1D8BD707-D9CF-40AE-B4C6-C98DA3205C09}" type="datetimeFigureOut">
               <a:rPr lang="en-US"/>
-              <a:t>5/18/2019</a:t>
+              <a:t>5/21/2019</a:t>
             </a:fld>
             <a:endParaRPr lang="en-US"/>
           </a:p>
@@ -1254,7 +1255,7 @@
           <a:p>
             <a:fld id="{1D8BD707-D9CF-40AE-B4C6-C98DA3205C09}" type="datetimeFigureOut">
               <a:rPr lang="en-US"/>
-              <a:t>5/18/2019</a:t>
+              <a:t>5/21/2019</a:t>
             </a:fld>
             <a:endParaRPr lang="en-US"/>
           </a:p>
@@ -1457,1397 +1458,6 @@
 </file>
 
 <file path=ppt/slides/slide1.xml><?xml version="1.0" encoding="utf-8"?>
-<p:sld xmlns:a="http://schemas.openxmlformats.org/drawingml/2006/main" xmlns:r="http://schemas.openxmlformats.org/officeDocument/2006/relationships" xmlns:p="http://schemas.openxmlformats.org/presentationml/2006/main">
-  <p:cSld>
-    <p:spTree>
-      <p:nvGrpSpPr>
-        <p:cNvPr id="1" name=""/>
-        <p:cNvGrpSpPr/>
-        <p:nvPr/>
-      </p:nvGrpSpPr>
-      <p:grpSpPr>
-        <a:xfrm>
-          <a:off x="0" y="0"/>
-          <a:ext cx="0" cy="0"/>
-          <a:chOff x="0" y="0"/>
-          <a:chExt cx="0" cy="0"/>
-        </a:xfrm>
-      </p:grpSpPr>
-      <p:sp>
-        <p:nvSpPr>
-          <p:cNvPr id="2" name="object 2"/>
-          <p:cNvSpPr txBox="1"/>
-          <p:nvPr/>
-        </p:nvSpPr>
-        <p:spPr>
-          <a:xfrm>
-            <a:off x="1862708" y="1528953"/>
-            <a:ext cx="8463915" cy="3683635"/>
-          </a:xfrm>
-          <a:prstGeom prst="rect">
-            <a:avLst/>
-          </a:prstGeom>
-        </p:spPr>
-        <p:txBody>
-          <a:bodyPr vert="horz" wrap="square" lIns="0" tIns="12065" rIns="0" bIns="0" rtlCol="0">
-            <a:spAutoFit/>
-          </a:bodyPr>
-          <a:lstStyle/>
-          <a:p>
-            <a:pPr marL="132715" marR="123825" algn="ctr">
-              <a:lnSpc>
-                <a:spcPct val="100000"/>
-              </a:lnSpc>
-              <a:spcBef>
-                <a:spcPts val="95"/>
-              </a:spcBef>
-            </a:pPr>
-            <a:r>
-              <a:rPr sz="4000" b="1" spc="145" dirty="0">
-                <a:latin typeface="Times New Roman"/>
-                <a:cs typeface="Times New Roman"/>
-              </a:rPr>
-              <a:t>ENG </a:t>
-            </a:r>
-            <a:r>
-              <a:rPr sz="4000" b="1" spc="-105" dirty="0">
-                <a:latin typeface="Times New Roman"/>
-                <a:cs typeface="Times New Roman"/>
-              </a:rPr>
-              <a:t>5044- </a:t>
-            </a:r>
-            <a:r>
-              <a:rPr sz="4000" b="1" spc="65" dirty="0">
-                <a:latin typeface="Times New Roman"/>
-                <a:cs typeface="Times New Roman"/>
-              </a:rPr>
-              <a:t>INTEGRATED</a:t>
-            </a:r>
-            <a:r>
-              <a:rPr sz="4000" b="1" spc="-45" dirty="0">
-                <a:latin typeface="Times New Roman"/>
-                <a:cs typeface="Times New Roman"/>
-              </a:rPr>
-              <a:t> </a:t>
-            </a:r>
-            <a:r>
-              <a:rPr sz="4000" b="1" spc="-80" dirty="0">
-                <a:latin typeface="Times New Roman"/>
-                <a:cs typeface="Times New Roman"/>
-              </a:rPr>
-              <a:t>SYSTEM  </a:t>
-            </a:r>
-            <a:r>
-              <a:rPr sz="4000" b="1" spc="80" dirty="0">
-                <a:latin typeface="Times New Roman"/>
-                <a:cs typeface="Times New Roman"/>
-              </a:rPr>
-              <a:t>DESIGN</a:t>
-            </a:r>
-            <a:r>
-              <a:rPr sz="4000" b="1" spc="-10" dirty="0">
-                <a:latin typeface="Times New Roman"/>
-                <a:cs typeface="Times New Roman"/>
-              </a:rPr>
-              <a:t> </a:t>
-            </a:r>
-            <a:r>
-              <a:rPr sz="4000" b="1" spc="-130" dirty="0">
-                <a:latin typeface="Times New Roman"/>
-                <a:cs typeface="Times New Roman"/>
-              </a:rPr>
-              <a:t>PROJECT:</a:t>
-            </a:r>
-            <a:endParaRPr sz="4000" dirty="0">
-              <a:latin typeface="Times New Roman"/>
-              <a:cs typeface="Times New Roman"/>
-            </a:endParaRPr>
-          </a:p>
-          <a:p>
-            <a:pPr>
-              <a:lnSpc>
-                <a:spcPct val="100000"/>
-              </a:lnSpc>
-              <a:spcBef>
-                <a:spcPts val="30"/>
-              </a:spcBef>
-            </a:pPr>
-            <a:endParaRPr sz="4150" dirty="0">
-              <a:latin typeface="Times New Roman"/>
-              <a:cs typeface="Times New Roman"/>
-            </a:endParaRPr>
-          </a:p>
-          <a:p>
-            <a:pPr marL="12065" marR="5080" algn="ctr">
-              <a:lnSpc>
-                <a:spcPct val="100000"/>
-              </a:lnSpc>
-            </a:pPr>
-            <a:r>
-              <a:rPr sz="4000" spc="-185" dirty="0">
-                <a:latin typeface="Times New Roman"/>
-                <a:cs typeface="Times New Roman"/>
-              </a:rPr>
-              <a:t>A </a:t>
-            </a:r>
-            <a:r>
-              <a:rPr sz="4000" spc="-65" dirty="0">
-                <a:latin typeface="Times New Roman"/>
-                <a:cs typeface="Times New Roman"/>
-              </a:rPr>
-              <a:t>RENEWABLE </a:t>
-            </a:r>
-            <a:r>
-              <a:rPr sz="4000" spc="30" dirty="0">
-                <a:latin typeface="Times New Roman"/>
-                <a:cs typeface="Times New Roman"/>
-              </a:rPr>
-              <a:t>ENERGY </a:t>
-            </a:r>
-            <a:r>
-              <a:rPr sz="4000" spc="20" dirty="0">
-                <a:latin typeface="Times New Roman"/>
-                <a:cs typeface="Times New Roman"/>
-              </a:rPr>
-              <a:t>SOLUTION  </a:t>
-            </a:r>
-            <a:r>
-              <a:rPr sz="4000" spc="25" dirty="0">
-                <a:latin typeface="Times New Roman"/>
-                <a:cs typeface="Times New Roman"/>
-              </a:rPr>
-              <a:t>FOR </a:t>
-            </a:r>
-            <a:r>
-              <a:rPr sz="4000" spc="110" dirty="0">
-                <a:latin typeface="Times New Roman"/>
-                <a:cs typeface="Times New Roman"/>
-              </a:rPr>
-              <a:t>THE </a:t>
-            </a:r>
-            <a:r>
-              <a:rPr sz="4000" spc="-30" dirty="0">
-                <a:latin typeface="Times New Roman"/>
-                <a:cs typeface="Times New Roman"/>
-              </a:rPr>
-              <a:t>ISLAND </a:t>
-            </a:r>
-            <a:r>
-              <a:rPr sz="4000" spc="125" dirty="0">
-                <a:latin typeface="Times New Roman"/>
-                <a:cs typeface="Times New Roman"/>
-              </a:rPr>
-              <a:t>OF </a:t>
-            </a:r>
-            <a:r>
-              <a:rPr sz="4000" spc="-15" dirty="0">
-                <a:latin typeface="Times New Roman"/>
-                <a:cs typeface="Times New Roman"/>
-              </a:rPr>
-              <a:t>GREAT  </a:t>
-            </a:r>
-            <a:r>
-              <a:rPr sz="4000" spc="-114" dirty="0">
-                <a:latin typeface="Times New Roman"/>
-                <a:cs typeface="Times New Roman"/>
-              </a:rPr>
-              <a:t>CUMBRAE</a:t>
-            </a:r>
-            <a:endParaRPr sz="4000" dirty="0">
-              <a:latin typeface="Times New Roman"/>
-              <a:cs typeface="Times New Roman"/>
-            </a:endParaRPr>
-          </a:p>
-        </p:txBody>
-      </p:sp>
-      <p:sp>
-        <p:nvSpPr>
-          <p:cNvPr id="3" name="object 3"/>
-          <p:cNvSpPr/>
-          <p:nvPr/>
-        </p:nvSpPr>
-        <p:spPr>
-          <a:xfrm>
-            <a:off x="1467611" y="0"/>
-            <a:ext cx="341630" cy="35560"/>
-          </a:xfrm>
-          <a:custGeom>
-            <a:avLst/>
-            <a:gdLst/>
-            <a:ahLst/>
-            <a:cxnLst/>
-            <a:rect l="l" t="t" r="r" b="b"/>
-            <a:pathLst>
-              <a:path w="341630" h="35560">
-                <a:moveTo>
-                  <a:pt x="0" y="35051"/>
-                </a:moveTo>
-                <a:lnTo>
-                  <a:pt x="341375" y="35051"/>
-                </a:lnTo>
-                <a:lnTo>
-                  <a:pt x="341375" y="0"/>
-                </a:lnTo>
-                <a:lnTo>
-                  <a:pt x="0" y="0"/>
-                </a:lnTo>
-                <a:lnTo>
-                  <a:pt x="0" y="35051"/>
-                </a:lnTo>
-                <a:close/>
-              </a:path>
-            </a:pathLst>
-          </a:custGeom>
-          <a:solidFill>
-            <a:srgbClr val="FFFFFF"/>
-          </a:solidFill>
-        </p:spPr>
-        <p:txBody>
-          <a:bodyPr wrap="square" lIns="0" tIns="0" rIns="0" bIns="0" rtlCol="0"/>
-          <a:lstStyle/>
-          <a:p>
-            <a:endParaRPr/>
-          </a:p>
-        </p:txBody>
-      </p:sp>
-      <p:sp>
-        <p:nvSpPr>
-          <p:cNvPr id="4" name="object 4"/>
-          <p:cNvSpPr/>
-          <p:nvPr/>
-        </p:nvSpPr>
-        <p:spPr>
-          <a:xfrm>
-            <a:off x="1467611" y="1498091"/>
-            <a:ext cx="341630" cy="356870"/>
-          </a:xfrm>
-          <a:custGeom>
-            <a:avLst/>
-            <a:gdLst/>
-            <a:ahLst/>
-            <a:cxnLst/>
-            <a:rect l="l" t="t" r="r" b="b"/>
-            <a:pathLst>
-              <a:path w="341630" h="356869">
-                <a:moveTo>
-                  <a:pt x="0" y="356616"/>
-                </a:moveTo>
-                <a:lnTo>
-                  <a:pt x="341375" y="356616"/>
-                </a:lnTo>
-                <a:lnTo>
-                  <a:pt x="341375" y="0"/>
-                </a:lnTo>
-                <a:lnTo>
-                  <a:pt x="0" y="0"/>
-                </a:lnTo>
-                <a:lnTo>
-                  <a:pt x="0" y="356616"/>
-                </a:lnTo>
-                <a:close/>
-              </a:path>
-            </a:pathLst>
-          </a:custGeom>
-          <a:solidFill>
-            <a:srgbClr val="FFFFFF"/>
-          </a:solidFill>
-        </p:spPr>
-        <p:txBody>
-          <a:bodyPr wrap="square" lIns="0" tIns="0" rIns="0" bIns="0" rtlCol="0"/>
-          <a:lstStyle/>
-          <a:p>
-            <a:endParaRPr/>
-          </a:p>
-        </p:txBody>
-      </p:sp>
-      <p:sp>
-        <p:nvSpPr>
-          <p:cNvPr id="5" name="object 5"/>
-          <p:cNvSpPr/>
-          <p:nvPr/>
-        </p:nvSpPr>
-        <p:spPr>
-          <a:xfrm>
-            <a:off x="0" y="0"/>
-            <a:ext cx="1809114" cy="1854835"/>
-          </a:xfrm>
-          <a:custGeom>
-            <a:avLst/>
-            <a:gdLst/>
-            <a:ahLst/>
-            <a:cxnLst/>
-            <a:rect l="l" t="t" r="r" b="b"/>
-            <a:pathLst>
-              <a:path w="1809114" h="1854835">
-                <a:moveTo>
-                  <a:pt x="0" y="1854708"/>
-                </a:moveTo>
-                <a:lnTo>
-                  <a:pt x="1808988" y="1854708"/>
-                </a:lnTo>
-                <a:lnTo>
-                  <a:pt x="1808988" y="0"/>
-                </a:lnTo>
-                <a:lnTo>
-                  <a:pt x="0" y="0"/>
-                </a:lnTo>
-                <a:lnTo>
-                  <a:pt x="0" y="1854708"/>
-                </a:lnTo>
-                <a:close/>
-              </a:path>
-            </a:pathLst>
-          </a:custGeom>
-          <a:ln w="12192">
-            <a:solidFill>
-              <a:srgbClr val="D0CECE"/>
-            </a:solidFill>
-          </a:ln>
-        </p:spPr>
-        <p:txBody>
-          <a:bodyPr wrap="square" lIns="0" tIns="0" rIns="0" bIns="0" rtlCol="0"/>
-          <a:lstStyle/>
-          <a:p>
-            <a:endParaRPr/>
-          </a:p>
-        </p:txBody>
-      </p:sp>
-      <p:sp>
-        <p:nvSpPr>
-          <p:cNvPr id="6" name="object 6"/>
-          <p:cNvSpPr/>
-          <p:nvPr/>
-        </p:nvSpPr>
-        <p:spPr>
-          <a:xfrm>
-            <a:off x="0" y="0"/>
-            <a:ext cx="1468120" cy="35560"/>
-          </a:xfrm>
-          <a:custGeom>
-            <a:avLst/>
-            <a:gdLst/>
-            <a:ahLst/>
-            <a:cxnLst/>
-            <a:rect l="l" t="t" r="r" b="b"/>
-            <a:pathLst>
-              <a:path w="1468120" h="35560">
-                <a:moveTo>
-                  <a:pt x="0" y="35051"/>
-                </a:moveTo>
-                <a:lnTo>
-                  <a:pt x="1467612" y="35051"/>
-                </a:lnTo>
-                <a:lnTo>
-                  <a:pt x="1467612" y="0"/>
-                </a:lnTo>
-                <a:lnTo>
-                  <a:pt x="0" y="0"/>
-                </a:lnTo>
-                <a:lnTo>
-                  <a:pt x="0" y="35051"/>
-                </a:lnTo>
-                <a:close/>
-              </a:path>
-            </a:pathLst>
-          </a:custGeom>
-          <a:solidFill>
-            <a:srgbClr val="E4E4E4">
-              <a:alpha val="63920"/>
-            </a:srgbClr>
-          </a:solidFill>
-        </p:spPr>
-        <p:txBody>
-          <a:bodyPr wrap="square" lIns="0" tIns="0" rIns="0" bIns="0" rtlCol="0"/>
-          <a:lstStyle/>
-          <a:p>
-            <a:endParaRPr/>
-          </a:p>
-        </p:txBody>
-      </p:sp>
-      <p:sp>
-        <p:nvSpPr>
-          <p:cNvPr id="7" name="object 7"/>
-          <p:cNvSpPr/>
-          <p:nvPr/>
-        </p:nvSpPr>
-        <p:spPr>
-          <a:xfrm>
-            <a:off x="0" y="1498091"/>
-            <a:ext cx="1468120" cy="582295"/>
-          </a:xfrm>
-          <a:custGeom>
-            <a:avLst/>
-            <a:gdLst/>
-            <a:ahLst/>
-            <a:cxnLst/>
-            <a:rect l="l" t="t" r="r" b="b"/>
-            <a:pathLst>
-              <a:path w="1468120" h="582294">
-                <a:moveTo>
-                  <a:pt x="0" y="582168"/>
-                </a:moveTo>
-                <a:lnTo>
-                  <a:pt x="1467612" y="582168"/>
-                </a:lnTo>
-                <a:lnTo>
-                  <a:pt x="1467612" y="0"/>
-                </a:lnTo>
-                <a:lnTo>
-                  <a:pt x="0" y="0"/>
-                </a:lnTo>
-                <a:lnTo>
-                  <a:pt x="0" y="582168"/>
-                </a:lnTo>
-                <a:close/>
-              </a:path>
-            </a:pathLst>
-          </a:custGeom>
-          <a:solidFill>
-            <a:srgbClr val="E4E4E4">
-              <a:alpha val="63920"/>
-            </a:srgbClr>
-          </a:solidFill>
-        </p:spPr>
-        <p:txBody>
-          <a:bodyPr wrap="square" lIns="0" tIns="0" rIns="0" bIns="0" rtlCol="0"/>
-          <a:lstStyle/>
-          <a:p>
-            <a:endParaRPr/>
-          </a:p>
-        </p:txBody>
-      </p:sp>
-      <p:sp>
-        <p:nvSpPr>
-          <p:cNvPr id="8" name="object 8"/>
-          <p:cNvSpPr/>
-          <p:nvPr/>
-        </p:nvSpPr>
-        <p:spPr>
-          <a:xfrm>
-            <a:off x="0" y="35051"/>
-            <a:ext cx="1896110" cy="1463040"/>
-          </a:xfrm>
-          <a:custGeom>
-            <a:avLst/>
-            <a:gdLst/>
-            <a:ahLst/>
-            <a:cxnLst/>
-            <a:rect l="l" t="t" r="r" b="b"/>
-            <a:pathLst>
-              <a:path w="1896110" h="1463040">
-                <a:moveTo>
-                  <a:pt x="0" y="1463039"/>
-                </a:moveTo>
-                <a:lnTo>
-                  <a:pt x="1895856" y="1463039"/>
-                </a:lnTo>
-                <a:lnTo>
-                  <a:pt x="1895856" y="0"/>
-                </a:lnTo>
-                <a:lnTo>
-                  <a:pt x="0" y="0"/>
-                </a:lnTo>
-                <a:lnTo>
-                  <a:pt x="0" y="1463039"/>
-                </a:lnTo>
-                <a:close/>
-              </a:path>
-            </a:pathLst>
-          </a:custGeom>
-          <a:solidFill>
-            <a:srgbClr val="AEABAB"/>
-          </a:solidFill>
-        </p:spPr>
-        <p:txBody>
-          <a:bodyPr wrap="square" lIns="0" tIns="0" rIns="0" bIns="0" rtlCol="0"/>
-          <a:lstStyle/>
-          <a:p>
-            <a:endParaRPr/>
-          </a:p>
-        </p:txBody>
-      </p:sp>
-      <p:sp>
-        <p:nvSpPr>
-          <p:cNvPr id="9" name="object 9"/>
-          <p:cNvSpPr/>
-          <p:nvPr/>
-        </p:nvSpPr>
-        <p:spPr>
-          <a:xfrm>
-            <a:off x="0" y="35051"/>
-            <a:ext cx="1896110" cy="1463040"/>
-          </a:xfrm>
-          <a:custGeom>
-            <a:avLst/>
-            <a:gdLst/>
-            <a:ahLst/>
-            <a:cxnLst/>
-            <a:rect l="l" t="t" r="r" b="b"/>
-            <a:pathLst>
-              <a:path w="1896110" h="1463040">
-                <a:moveTo>
-                  <a:pt x="0" y="1463039"/>
-                </a:moveTo>
-                <a:lnTo>
-                  <a:pt x="1895856" y="1463039"/>
-                </a:lnTo>
-                <a:lnTo>
-                  <a:pt x="1895856" y="0"/>
-                </a:lnTo>
-                <a:lnTo>
-                  <a:pt x="0" y="0"/>
-                </a:lnTo>
-                <a:lnTo>
-                  <a:pt x="0" y="1463039"/>
-                </a:lnTo>
-                <a:close/>
-              </a:path>
-            </a:pathLst>
-          </a:custGeom>
-          <a:ln w="12192">
-            <a:solidFill>
-              <a:srgbClr val="AEABAB"/>
-            </a:solidFill>
-          </a:ln>
-        </p:spPr>
-        <p:txBody>
-          <a:bodyPr wrap="square" lIns="0" tIns="0" rIns="0" bIns="0" rtlCol="0"/>
-          <a:lstStyle/>
-          <a:p>
-            <a:endParaRPr/>
-          </a:p>
-        </p:txBody>
-      </p:sp>
-      <p:sp>
-        <p:nvSpPr>
-          <p:cNvPr id="10" name="object 10"/>
-          <p:cNvSpPr/>
-          <p:nvPr/>
-        </p:nvSpPr>
-        <p:spPr>
-          <a:xfrm>
-            <a:off x="0" y="0"/>
-            <a:ext cx="2447544" cy="1097279"/>
-          </a:xfrm>
-          <a:prstGeom prst="rect">
-            <a:avLst/>
-          </a:prstGeom>
-          <a:blipFill>
-            <a:blip r:embed="rId2" cstate="print"/>
-            <a:stretch>
-              <a:fillRect/>
-            </a:stretch>
-          </a:blipFill>
-        </p:spPr>
-        <p:txBody>
-          <a:bodyPr wrap="square" lIns="0" tIns="0" rIns="0" bIns="0" rtlCol="0"/>
-          <a:lstStyle/>
-          <a:p>
-            <a:endParaRPr/>
-          </a:p>
-        </p:txBody>
-      </p:sp>
-      <p:sp>
-        <p:nvSpPr>
-          <p:cNvPr id="11" name="object 11"/>
-          <p:cNvSpPr/>
-          <p:nvPr/>
-        </p:nvSpPr>
-        <p:spPr>
-          <a:xfrm>
-            <a:off x="11056619" y="0"/>
-            <a:ext cx="1135380" cy="428625"/>
-          </a:xfrm>
-          <a:custGeom>
-            <a:avLst/>
-            <a:gdLst/>
-            <a:ahLst/>
-            <a:cxnLst/>
-            <a:rect l="l" t="t" r="r" b="b"/>
-            <a:pathLst>
-              <a:path w="1135379" h="428625">
-                <a:moveTo>
-                  <a:pt x="0" y="428244"/>
-                </a:moveTo>
-                <a:lnTo>
-                  <a:pt x="1135379" y="428244"/>
-                </a:lnTo>
-                <a:lnTo>
-                  <a:pt x="1135379" y="0"/>
-                </a:lnTo>
-              </a:path>
-            </a:pathLst>
-          </a:custGeom>
-          <a:ln w="12192">
-            <a:solidFill>
-              <a:srgbClr val="AEABAB"/>
-            </a:solidFill>
-          </a:ln>
-        </p:spPr>
-        <p:txBody>
-          <a:bodyPr wrap="square" lIns="0" tIns="0" rIns="0" bIns="0" rtlCol="0"/>
-          <a:lstStyle/>
-          <a:p>
-            <a:endParaRPr/>
-          </a:p>
-        </p:txBody>
-      </p:sp>
-      <p:sp>
-        <p:nvSpPr>
-          <p:cNvPr id="12" name="object 12"/>
-          <p:cNvSpPr/>
-          <p:nvPr/>
-        </p:nvSpPr>
-        <p:spPr>
-          <a:xfrm>
-            <a:off x="11056619" y="0"/>
-            <a:ext cx="0" cy="428625"/>
-          </a:xfrm>
-          <a:custGeom>
-            <a:avLst/>
-            <a:gdLst/>
-            <a:ahLst/>
-            <a:cxnLst/>
-            <a:rect l="l" t="t" r="r" b="b"/>
-            <a:pathLst>
-              <a:path h="428625">
-                <a:moveTo>
-                  <a:pt x="0" y="0"/>
-                </a:moveTo>
-                <a:lnTo>
-                  <a:pt x="0" y="428244"/>
-                </a:lnTo>
-              </a:path>
-            </a:pathLst>
-          </a:custGeom>
-          <a:ln w="12192">
-            <a:solidFill>
-              <a:srgbClr val="AEABAB"/>
-            </a:solidFill>
-          </a:ln>
-        </p:spPr>
-        <p:txBody>
-          <a:bodyPr wrap="square" lIns="0" tIns="0" rIns="0" bIns="0" rtlCol="0"/>
-          <a:lstStyle/>
-          <a:p>
-            <a:endParaRPr/>
-          </a:p>
-        </p:txBody>
-      </p:sp>
-      <p:sp>
-        <p:nvSpPr>
-          <p:cNvPr id="13" name="object 13"/>
-          <p:cNvSpPr/>
-          <p:nvPr/>
-        </p:nvSpPr>
-        <p:spPr>
-          <a:xfrm>
-            <a:off x="11391900" y="0"/>
-            <a:ext cx="794385" cy="780415"/>
-          </a:xfrm>
-          <a:custGeom>
-            <a:avLst/>
-            <a:gdLst/>
-            <a:ahLst/>
-            <a:cxnLst/>
-            <a:rect l="l" t="t" r="r" b="b"/>
-            <a:pathLst>
-              <a:path w="794384" h="780415">
-                <a:moveTo>
-                  <a:pt x="0" y="780288"/>
-                </a:moveTo>
-                <a:lnTo>
-                  <a:pt x="794003" y="780288"/>
-                </a:lnTo>
-                <a:lnTo>
-                  <a:pt x="794003" y="0"/>
-                </a:lnTo>
-                <a:lnTo>
-                  <a:pt x="0" y="0"/>
-                </a:lnTo>
-                <a:lnTo>
-                  <a:pt x="0" y="780288"/>
-                </a:lnTo>
-                <a:close/>
-              </a:path>
-            </a:pathLst>
-          </a:custGeom>
-          <a:solidFill>
-            <a:srgbClr val="AEABAB">
-              <a:alpha val="89019"/>
-            </a:srgbClr>
-          </a:solidFill>
-        </p:spPr>
-        <p:txBody>
-          <a:bodyPr wrap="square" lIns="0" tIns="0" rIns="0" bIns="0" rtlCol="0"/>
-          <a:lstStyle/>
-          <a:p>
-            <a:endParaRPr/>
-          </a:p>
-        </p:txBody>
-      </p:sp>
-      <p:sp>
-        <p:nvSpPr>
-          <p:cNvPr id="14" name="object 14"/>
-          <p:cNvSpPr/>
-          <p:nvPr/>
-        </p:nvSpPr>
-        <p:spPr>
-          <a:xfrm>
-            <a:off x="11391900" y="0"/>
-            <a:ext cx="794385" cy="780415"/>
-          </a:xfrm>
-          <a:custGeom>
-            <a:avLst/>
-            <a:gdLst/>
-            <a:ahLst/>
-            <a:cxnLst/>
-            <a:rect l="l" t="t" r="r" b="b"/>
-            <a:pathLst>
-              <a:path w="794384" h="780415">
-                <a:moveTo>
-                  <a:pt x="0" y="780288"/>
-                </a:moveTo>
-                <a:lnTo>
-                  <a:pt x="794003" y="780288"/>
-                </a:lnTo>
-                <a:lnTo>
-                  <a:pt x="794003" y="0"/>
-                </a:lnTo>
-              </a:path>
-            </a:pathLst>
-          </a:custGeom>
-          <a:ln w="12191">
-            <a:solidFill>
-              <a:srgbClr val="AEABAB"/>
-            </a:solidFill>
-          </a:ln>
-        </p:spPr>
-        <p:txBody>
-          <a:bodyPr wrap="square" lIns="0" tIns="0" rIns="0" bIns="0" rtlCol="0"/>
-          <a:lstStyle/>
-          <a:p>
-            <a:endParaRPr/>
-          </a:p>
-        </p:txBody>
-      </p:sp>
-      <p:sp>
-        <p:nvSpPr>
-          <p:cNvPr id="15" name="object 15"/>
-          <p:cNvSpPr/>
-          <p:nvPr/>
-        </p:nvSpPr>
-        <p:spPr>
-          <a:xfrm>
-            <a:off x="11391900" y="0"/>
-            <a:ext cx="0" cy="780415"/>
-          </a:xfrm>
-          <a:custGeom>
-            <a:avLst/>
-            <a:gdLst/>
-            <a:ahLst/>
-            <a:cxnLst/>
-            <a:rect l="l" t="t" r="r" b="b"/>
-            <a:pathLst>
-              <a:path h="780415">
-                <a:moveTo>
-                  <a:pt x="0" y="0"/>
-                </a:moveTo>
-                <a:lnTo>
-                  <a:pt x="0" y="780288"/>
-                </a:lnTo>
-              </a:path>
-            </a:pathLst>
-          </a:custGeom>
-          <a:ln w="12192">
-            <a:solidFill>
-              <a:srgbClr val="AEABAB"/>
-            </a:solidFill>
-          </a:ln>
-        </p:spPr>
-        <p:txBody>
-          <a:bodyPr wrap="square" lIns="0" tIns="0" rIns="0" bIns="0" rtlCol="0"/>
-          <a:lstStyle/>
-          <a:p>
-            <a:endParaRPr/>
-          </a:p>
-        </p:txBody>
-      </p:sp>
-      <p:sp>
-        <p:nvSpPr>
-          <p:cNvPr id="16" name="object 16"/>
-          <p:cNvSpPr/>
-          <p:nvPr/>
-        </p:nvSpPr>
-        <p:spPr>
-          <a:xfrm>
-            <a:off x="11753088" y="0"/>
-            <a:ext cx="439420" cy="492759"/>
-          </a:xfrm>
-          <a:custGeom>
-            <a:avLst/>
-            <a:gdLst/>
-            <a:ahLst/>
-            <a:cxnLst/>
-            <a:rect l="l" t="t" r="r" b="b"/>
-            <a:pathLst>
-              <a:path w="439420" h="492759">
-                <a:moveTo>
-                  <a:pt x="0" y="492251"/>
-                </a:moveTo>
-                <a:lnTo>
-                  <a:pt x="438911" y="492251"/>
-                </a:lnTo>
-                <a:lnTo>
-                  <a:pt x="438911" y="0"/>
-                </a:lnTo>
-                <a:lnTo>
-                  <a:pt x="0" y="0"/>
-                </a:lnTo>
-                <a:lnTo>
-                  <a:pt x="0" y="492251"/>
-                </a:lnTo>
-                <a:close/>
-              </a:path>
-            </a:pathLst>
-          </a:custGeom>
-          <a:solidFill>
-            <a:srgbClr val="767070"/>
-          </a:solidFill>
-        </p:spPr>
-        <p:txBody>
-          <a:bodyPr wrap="square" lIns="0" tIns="0" rIns="0" bIns="0" rtlCol="0"/>
-          <a:lstStyle/>
-          <a:p>
-            <a:endParaRPr/>
-          </a:p>
-        </p:txBody>
-      </p:sp>
-      <p:sp>
-        <p:nvSpPr>
-          <p:cNvPr id="17" name="object 17"/>
-          <p:cNvSpPr/>
-          <p:nvPr/>
-        </p:nvSpPr>
-        <p:spPr>
-          <a:xfrm>
-            <a:off x="11753088" y="0"/>
-            <a:ext cx="439420" cy="492759"/>
-          </a:xfrm>
-          <a:custGeom>
-            <a:avLst/>
-            <a:gdLst/>
-            <a:ahLst/>
-            <a:cxnLst/>
-            <a:rect l="l" t="t" r="r" b="b"/>
-            <a:pathLst>
-              <a:path w="439420" h="492759">
-                <a:moveTo>
-                  <a:pt x="0" y="492251"/>
-                </a:moveTo>
-                <a:lnTo>
-                  <a:pt x="438911" y="492251"/>
-                </a:lnTo>
-                <a:lnTo>
-                  <a:pt x="438911" y="0"/>
-                </a:lnTo>
-                <a:lnTo>
-                  <a:pt x="0" y="0"/>
-                </a:lnTo>
-                <a:lnTo>
-                  <a:pt x="0" y="492251"/>
-                </a:lnTo>
-                <a:close/>
-              </a:path>
-            </a:pathLst>
-          </a:custGeom>
-          <a:ln w="12192">
-            <a:solidFill>
-              <a:srgbClr val="767070"/>
-            </a:solidFill>
-          </a:ln>
-        </p:spPr>
-        <p:txBody>
-          <a:bodyPr wrap="square" lIns="0" tIns="0" rIns="0" bIns="0" rtlCol="0"/>
-          <a:lstStyle/>
-          <a:p>
-            <a:endParaRPr/>
-          </a:p>
-        </p:txBody>
-      </p:sp>
-      <p:sp>
-        <p:nvSpPr>
-          <p:cNvPr id="18" name="object 18"/>
-          <p:cNvSpPr/>
-          <p:nvPr/>
-        </p:nvSpPr>
-        <p:spPr>
-          <a:xfrm>
-            <a:off x="11568683" y="0"/>
-            <a:ext cx="617220" cy="318770"/>
-          </a:xfrm>
-          <a:custGeom>
-            <a:avLst/>
-            <a:gdLst/>
-            <a:ahLst/>
-            <a:cxnLst/>
-            <a:rect l="l" t="t" r="r" b="b"/>
-            <a:pathLst>
-              <a:path w="617220" h="318770">
-                <a:moveTo>
-                  <a:pt x="0" y="318516"/>
-                </a:moveTo>
-                <a:lnTo>
-                  <a:pt x="617220" y="318516"/>
-                </a:lnTo>
-                <a:lnTo>
-                  <a:pt x="617220" y="0"/>
-                </a:lnTo>
-                <a:lnTo>
-                  <a:pt x="0" y="0"/>
-                </a:lnTo>
-                <a:lnTo>
-                  <a:pt x="0" y="318516"/>
-                </a:lnTo>
-                <a:close/>
-              </a:path>
-            </a:pathLst>
-          </a:custGeom>
-          <a:solidFill>
-            <a:srgbClr val="585858"/>
-          </a:solidFill>
-        </p:spPr>
-        <p:txBody>
-          <a:bodyPr wrap="square" lIns="0" tIns="0" rIns="0" bIns="0" rtlCol="0"/>
-          <a:lstStyle/>
-          <a:p>
-            <a:endParaRPr/>
-          </a:p>
-        </p:txBody>
-      </p:sp>
-      <p:sp>
-        <p:nvSpPr>
-          <p:cNvPr id="19" name="object 19"/>
-          <p:cNvSpPr/>
-          <p:nvPr/>
-        </p:nvSpPr>
-        <p:spPr>
-          <a:xfrm>
-            <a:off x="11568683" y="0"/>
-            <a:ext cx="617220" cy="318770"/>
-          </a:xfrm>
-          <a:custGeom>
-            <a:avLst/>
-            <a:gdLst/>
-            <a:ahLst/>
-            <a:cxnLst/>
-            <a:rect l="l" t="t" r="r" b="b"/>
-            <a:pathLst>
-              <a:path w="617220" h="318770">
-                <a:moveTo>
-                  <a:pt x="0" y="318516"/>
-                </a:moveTo>
-                <a:lnTo>
-                  <a:pt x="617220" y="318516"/>
-                </a:lnTo>
-                <a:lnTo>
-                  <a:pt x="617220" y="0"/>
-                </a:lnTo>
-                <a:lnTo>
-                  <a:pt x="0" y="0"/>
-                </a:lnTo>
-                <a:lnTo>
-                  <a:pt x="0" y="318516"/>
-                </a:lnTo>
-                <a:close/>
-              </a:path>
-            </a:pathLst>
-          </a:custGeom>
-          <a:ln w="12192">
-            <a:solidFill>
-              <a:srgbClr val="585858"/>
-            </a:solidFill>
-          </a:ln>
-        </p:spPr>
-        <p:txBody>
-          <a:bodyPr wrap="square" lIns="0" tIns="0" rIns="0" bIns="0" rtlCol="0"/>
-          <a:lstStyle/>
-          <a:p>
-            <a:endParaRPr/>
-          </a:p>
-        </p:txBody>
-      </p:sp>
-      <p:sp>
-        <p:nvSpPr>
-          <p:cNvPr id="20" name="object 20"/>
-          <p:cNvSpPr/>
-          <p:nvPr/>
-        </p:nvSpPr>
-        <p:spPr>
-          <a:xfrm>
-            <a:off x="10905743" y="5955791"/>
-            <a:ext cx="1286510" cy="902335"/>
-          </a:xfrm>
-          <a:custGeom>
-            <a:avLst/>
-            <a:gdLst/>
-            <a:ahLst/>
-            <a:cxnLst/>
-            <a:rect l="l" t="t" r="r" b="b"/>
-            <a:pathLst>
-              <a:path w="1286509" h="902334">
-                <a:moveTo>
-                  <a:pt x="0" y="902208"/>
-                </a:moveTo>
-                <a:lnTo>
-                  <a:pt x="1286255" y="902208"/>
-                </a:lnTo>
-                <a:lnTo>
-                  <a:pt x="1286255" y="0"/>
-                </a:lnTo>
-                <a:lnTo>
-                  <a:pt x="0" y="0"/>
-                </a:lnTo>
-                <a:lnTo>
-                  <a:pt x="0" y="902208"/>
-                </a:lnTo>
-                <a:close/>
-              </a:path>
-            </a:pathLst>
-          </a:custGeom>
-          <a:ln w="12192">
-            <a:solidFill>
-              <a:srgbClr val="AEABAB"/>
-            </a:solidFill>
-          </a:ln>
-        </p:spPr>
-        <p:txBody>
-          <a:bodyPr wrap="square" lIns="0" tIns="0" rIns="0" bIns="0" rtlCol="0"/>
-          <a:lstStyle/>
-          <a:p>
-            <a:endParaRPr/>
-          </a:p>
-        </p:txBody>
-      </p:sp>
-      <p:sp>
-        <p:nvSpPr>
-          <p:cNvPr id="21" name="object 21"/>
-          <p:cNvSpPr/>
-          <p:nvPr/>
-        </p:nvSpPr>
-        <p:spPr>
-          <a:xfrm>
-            <a:off x="11056619" y="5664708"/>
-            <a:ext cx="1135380" cy="1193800"/>
-          </a:xfrm>
-          <a:custGeom>
-            <a:avLst/>
-            <a:gdLst/>
-            <a:ahLst/>
-            <a:cxnLst/>
-            <a:rect l="l" t="t" r="r" b="b"/>
-            <a:pathLst>
-              <a:path w="1135379" h="1193800">
-                <a:moveTo>
-                  <a:pt x="0" y="1193291"/>
-                </a:moveTo>
-                <a:lnTo>
-                  <a:pt x="1135379" y="1193291"/>
-                </a:lnTo>
-                <a:lnTo>
-                  <a:pt x="1135379" y="0"/>
-                </a:lnTo>
-                <a:lnTo>
-                  <a:pt x="0" y="0"/>
-                </a:lnTo>
-                <a:lnTo>
-                  <a:pt x="0" y="1193291"/>
-                </a:lnTo>
-                <a:close/>
-              </a:path>
-            </a:pathLst>
-          </a:custGeom>
-          <a:solidFill>
-            <a:srgbClr val="AEABAB">
-              <a:alpha val="61175"/>
-            </a:srgbClr>
-          </a:solidFill>
-        </p:spPr>
-        <p:txBody>
-          <a:bodyPr wrap="square" lIns="0" tIns="0" rIns="0" bIns="0" rtlCol="0"/>
-          <a:lstStyle/>
-          <a:p>
-            <a:endParaRPr/>
-          </a:p>
-        </p:txBody>
-      </p:sp>
-      <p:sp>
-        <p:nvSpPr>
-          <p:cNvPr id="22" name="object 22"/>
-          <p:cNvSpPr/>
-          <p:nvPr/>
-        </p:nvSpPr>
-        <p:spPr>
-          <a:xfrm>
-            <a:off x="11056619" y="5664708"/>
-            <a:ext cx="1135380" cy="1193800"/>
-          </a:xfrm>
-          <a:custGeom>
-            <a:avLst/>
-            <a:gdLst/>
-            <a:ahLst/>
-            <a:cxnLst/>
-            <a:rect l="l" t="t" r="r" b="b"/>
-            <a:pathLst>
-              <a:path w="1135379" h="1193800">
-                <a:moveTo>
-                  <a:pt x="0" y="1193291"/>
-                </a:moveTo>
-                <a:lnTo>
-                  <a:pt x="1135379" y="1193291"/>
-                </a:lnTo>
-                <a:lnTo>
-                  <a:pt x="1135379" y="0"/>
-                </a:lnTo>
-                <a:lnTo>
-                  <a:pt x="0" y="0"/>
-                </a:lnTo>
-                <a:lnTo>
-                  <a:pt x="0" y="1193291"/>
-                </a:lnTo>
-                <a:close/>
-              </a:path>
-            </a:pathLst>
-          </a:custGeom>
-          <a:ln w="12192">
-            <a:solidFill>
-              <a:srgbClr val="AEABAB"/>
-            </a:solidFill>
-          </a:ln>
-        </p:spPr>
-        <p:txBody>
-          <a:bodyPr wrap="square" lIns="0" tIns="0" rIns="0" bIns="0" rtlCol="0"/>
-          <a:lstStyle/>
-          <a:p>
-            <a:endParaRPr/>
-          </a:p>
-        </p:txBody>
-      </p:sp>
-      <p:sp>
-        <p:nvSpPr>
-          <p:cNvPr id="23" name="object 23"/>
-          <p:cNvSpPr/>
-          <p:nvPr/>
-        </p:nvSpPr>
-        <p:spPr>
-          <a:xfrm>
-            <a:off x="11198352" y="6153911"/>
-            <a:ext cx="396240" cy="704215"/>
-          </a:xfrm>
-          <a:custGeom>
-            <a:avLst/>
-            <a:gdLst/>
-            <a:ahLst/>
-            <a:cxnLst/>
-            <a:rect l="l" t="t" r="r" b="b"/>
-            <a:pathLst>
-              <a:path w="396240" h="704215">
-                <a:moveTo>
-                  <a:pt x="0" y="704087"/>
-                </a:moveTo>
-                <a:lnTo>
-                  <a:pt x="396240" y="704087"/>
-                </a:lnTo>
-                <a:lnTo>
-                  <a:pt x="396240" y="0"/>
-                </a:lnTo>
-                <a:lnTo>
-                  <a:pt x="0" y="0"/>
-                </a:lnTo>
-                <a:lnTo>
-                  <a:pt x="0" y="704087"/>
-                </a:lnTo>
-                <a:close/>
-              </a:path>
-            </a:pathLst>
-          </a:custGeom>
-          <a:solidFill>
-            <a:srgbClr val="767070">
-              <a:alpha val="63920"/>
-            </a:srgbClr>
-          </a:solidFill>
-        </p:spPr>
-        <p:txBody>
-          <a:bodyPr wrap="square" lIns="0" tIns="0" rIns="0" bIns="0" rtlCol="0"/>
-          <a:lstStyle/>
-          <a:p>
-            <a:endParaRPr/>
-          </a:p>
-        </p:txBody>
-      </p:sp>
-      <p:sp>
-        <p:nvSpPr>
-          <p:cNvPr id="24" name="object 24"/>
-          <p:cNvSpPr/>
-          <p:nvPr/>
-        </p:nvSpPr>
-        <p:spPr>
-          <a:xfrm>
-            <a:off x="11198352" y="6153911"/>
-            <a:ext cx="993775" cy="704215"/>
-          </a:xfrm>
-          <a:custGeom>
-            <a:avLst/>
-            <a:gdLst/>
-            <a:ahLst/>
-            <a:cxnLst/>
-            <a:rect l="l" t="t" r="r" b="b"/>
-            <a:pathLst>
-              <a:path w="993775" h="704215">
-                <a:moveTo>
-                  <a:pt x="0" y="704087"/>
-                </a:moveTo>
-                <a:lnTo>
-                  <a:pt x="993648" y="704087"/>
-                </a:lnTo>
-                <a:lnTo>
-                  <a:pt x="993648" y="0"/>
-                </a:lnTo>
-                <a:lnTo>
-                  <a:pt x="0" y="0"/>
-                </a:lnTo>
-                <a:lnTo>
-                  <a:pt x="0" y="704087"/>
-                </a:lnTo>
-                <a:close/>
-              </a:path>
-            </a:pathLst>
-          </a:custGeom>
-          <a:ln w="12192">
-            <a:solidFill>
-              <a:srgbClr val="767070"/>
-            </a:solidFill>
-          </a:ln>
-        </p:spPr>
-        <p:txBody>
-          <a:bodyPr wrap="square" lIns="0" tIns="0" rIns="0" bIns="0" rtlCol="0"/>
-          <a:lstStyle/>
-          <a:p>
-            <a:endParaRPr/>
-          </a:p>
-        </p:txBody>
-      </p:sp>
-      <p:sp>
-        <p:nvSpPr>
-          <p:cNvPr id="25" name="object 25"/>
-          <p:cNvSpPr/>
-          <p:nvPr/>
-        </p:nvSpPr>
-        <p:spPr>
-          <a:xfrm>
-            <a:off x="11594592" y="5908547"/>
-            <a:ext cx="597535" cy="949960"/>
-          </a:xfrm>
-          <a:custGeom>
-            <a:avLst/>
-            <a:gdLst/>
-            <a:ahLst/>
-            <a:cxnLst/>
-            <a:rect l="l" t="t" r="r" b="b"/>
-            <a:pathLst>
-              <a:path w="597534" h="949959">
-                <a:moveTo>
-                  <a:pt x="0" y="949452"/>
-                </a:moveTo>
-                <a:lnTo>
-                  <a:pt x="597407" y="949452"/>
-                </a:lnTo>
-                <a:lnTo>
-                  <a:pt x="597407" y="0"/>
-                </a:lnTo>
-                <a:lnTo>
-                  <a:pt x="0" y="0"/>
-                </a:lnTo>
-                <a:lnTo>
-                  <a:pt x="0" y="949452"/>
-                </a:lnTo>
-                <a:close/>
-              </a:path>
-            </a:pathLst>
-          </a:custGeom>
-          <a:solidFill>
-            <a:srgbClr val="585858"/>
-          </a:solidFill>
-        </p:spPr>
-        <p:txBody>
-          <a:bodyPr wrap="square" lIns="0" tIns="0" rIns="0" bIns="0" rtlCol="0"/>
-          <a:lstStyle/>
-          <a:p>
-            <a:endParaRPr/>
-          </a:p>
-        </p:txBody>
-      </p:sp>
-      <p:sp>
-        <p:nvSpPr>
-          <p:cNvPr id="26" name="object 26"/>
-          <p:cNvSpPr/>
-          <p:nvPr/>
-        </p:nvSpPr>
-        <p:spPr>
-          <a:xfrm>
-            <a:off x="11594592" y="5908547"/>
-            <a:ext cx="597535" cy="949960"/>
-          </a:xfrm>
-          <a:custGeom>
-            <a:avLst/>
-            <a:gdLst/>
-            <a:ahLst/>
-            <a:cxnLst/>
-            <a:rect l="l" t="t" r="r" b="b"/>
-            <a:pathLst>
-              <a:path w="597534" h="949959">
-                <a:moveTo>
-                  <a:pt x="0" y="949452"/>
-                </a:moveTo>
-                <a:lnTo>
-                  <a:pt x="597407" y="949452"/>
-                </a:lnTo>
-                <a:lnTo>
-                  <a:pt x="597407" y="0"/>
-                </a:lnTo>
-                <a:lnTo>
-                  <a:pt x="0" y="0"/>
-                </a:lnTo>
-                <a:lnTo>
-                  <a:pt x="0" y="949452"/>
-                </a:lnTo>
-                <a:close/>
-              </a:path>
-            </a:pathLst>
-          </a:custGeom>
-          <a:ln w="12191">
-            <a:solidFill>
-              <a:srgbClr val="585858"/>
-            </a:solidFill>
-          </a:ln>
-        </p:spPr>
-        <p:txBody>
-          <a:bodyPr wrap="square" lIns="0" tIns="0" rIns="0" bIns="0" rtlCol="0"/>
-          <a:lstStyle/>
-          <a:p>
-            <a:endParaRPr/>
-          </a:p>
-        </p:txBody>
-      </p:sp>
-    </p:spTree>
-  </p:cSld>
-  <p:clrMapOvr>
-    <a:masterClrMapping/>
-  </p:clrMapOvr>
-</p:sld>
-</file>
-
-<file path=ppt/slides/slide2.xml><?xml version="1.0" encoding="utf-8"?>
 <p:sld xmlns:a="http://schemas.openxmlformats.org/drawingml/2006/main" xmlns:r="http://schemas.openxmlformats.org/officeDocument/2006/relationships" xmlns:p="http://schemas.openxmlformats.org/presentationml/2006/main" showMasterSp="0">
   <p:cSld>
     <p:spTree>
@@ -3680,6 +2290,678 @@
 </p:sld>
 </file>
 
+<file path=ppt/slides/slide2.xml><?xml version="1.0" encoding="utf-8"?>
+<p:sld xmlns:a="http://schemas.openxmlformats.org/drawingml/2006/main" xmlns:r="http://schemas.openxmlformats.org/officeDocument/2006/relationships" xmlns:p="http://schemas.openxmlformats.org/presentationml/2006/main">
+  <p:cSld>
+    <p:spTree>
+      <p:nvGrpSpPr>
+        <p:cNvPr id="1" name=""/>
+        <p:cNvGrpSpPr/>
+        <p:nvPr/>
+      </p:nvGrpSpPr>
+      <p:grpSpPr>
+        <a:xfrm>
+          <a:off x="0" y="0"/>
+          <a:ext cx="0" cy="0"/>
+          <a:chOff x="0" y="0"/>
+          <a:chExt cx="0" cy="0"/>
+        </a:xfrm>
+      </p:grpSpPr>
+      <p:sp>
+        <p:nvSpPr>
+          <p:cNvPr id="6" name="object 6"/>
+          <p:cNvSpPr/>
+          <p:nvPr/>
+        </p:nvSpPr>
+        <p:spPr>
+          <a:xfrm>
+            <a:off x="5080" y="-15239"/>
+            <a:ext cx="12185902" cy="1097279"/>
+          </a:xfrm>
+          <a:custGeom>
+            <a:avLst/>
+            <a:gdLst/>
+            <a:ahLst/>
+            <a:cxnLst/>
+            <a:rect l="l" t="t" r="r" b="b"/>
+            <a:pathLst>
+              <a:path w="1896110" h="1463040">
+                <a:moveTo>
+                  <a:pt x="0" y="1463039"/>
+                </a:moveTo>
+                <a:lnTo>
+                  <a:pt x="1895856" y="1463039"/>
+                </a:lnTo>
+                <a:lnTo>
+                  <a:pt x="1895856" y="0"/>
+                </a:lnTo>
+                <a:lnTo>
+                  <a:pt x="0" y="0"/>
+                </a:lnTo>
+                <a:lnTo>
+                  <a:pt x="0" y="1463039"/>
+                </a:lnTo>
+                <a:close/>
+              </a:path>
+            </a:pathLst>
+          </a:custGeom>
+          <a:solidFill>
+            <a:schemeClr val="bg1">
+              <a:lumMod val="95000"/>
+            </a:schemeClr>
+          </a:solidFill>
+        </p:spPr>
+        <p:txBody>
+          <a:bodyPr wrap="square" lIns="0" tIns="0" rIns="0" bIns="0" rtlCol="0"/>
+          <a:lstStyle/>
+          <a:p>
+            <a:endParaRPr dirty="0"/>
+          </a:p>
+        </p:txBody>
+      </p:sp>
+      <p:sp>
+        <p:nvSpPr>
+          <p:cNvPr id="3" name="object 3"/>
+          <p:cNvSpPr txBox="1">
+            <a:spLocks noGrp="1"/>
+          </p:cNvSpPr>
+          <p:nvPr>
+            <p:ph type="title"/>
+          </p:nvPr>
+        </p:nvSpPr>
+        <p:spPr>
+          <a:xfrm>
+            <a:off x="3352800" y="261619"/>
+            <a:ext cx="6745605" cy="574040"/>
+          </a:xfrm>
+          <a:prstGeom prst="rect">
+            <a:avLst/>
+          </a:prstGeom>
+        </p:spPr>
+        <p:txBody>
+          <a:bodyPr vert="horz" wrap="square" lIns="0" tIns="12700" rIns="0" bIns="0" rtlCol="0">
+            <a:spAutoFit/>
+          </a:bodyPr>
+          <a:lstStyle/>
+          <a:p>
+            <a:pPr marL="12700" algn="l">
+              <a:lnSpc>
+                <a:spcPct val="100000"/>
+              </a:lnSpc>
+              <a:spcBef>
+                <a:spcPts val="100"/>
+              </a:spcBef>
+              <a:tabLst>
+                <a:tab pos="2682875" algn="l"/>
+                <a:tab pos="3975100" algn="l"/>
+              </a:tabLst>
+            </a:pPr>
+            <a:r>
+              <a:rPr lang="es-ES" spc="-60" dirty="0">
+                <a:latin typeface="Garamond" panose="02020404030301010803" pitchFamily="18" charset="0"/>
+              </a:rPr>
+              <a:t>2. Modules </a:t>
+            </a:r>
+            <a:r>
+              <a:rPr lang="es-ES" spc="-60" dirty="0" err="1">
+                <a:latin typeface="Garamond" panose="02020404030301010803" pitchFamily="18" charset="0"/>
+              </a:rPr>
+              <a:t>of</a:t>
+            </a:r>
+            <a:r>
+              <a:rPr lang="es-ES" spc="-60" dirty="0">
+                <a:latin typeface="Garamond" panose="02020404030301010803" pitchFamily="18" charset="0"/>
+              </a:rPr>
+              <a:t> </a:t>
+            </a:r>
+            <a:r>
+              <a:rPr lang="es-ES" spc="-60" dirty="0" err="1">
+                <a:latin typeface="Garamond" panose="02020404030301010803" pitchFamily="18" charset="0"/>
+              </a:rPr>
+              <a:t>the</a:t>
+            </a:r>
+            <a:r>
+              <a:rPr lang="es-ES" spc="-60" dirty="0">
+                <a:latin typeface="Garamond" panose="02020404030301010803" pitchFamily="18" charset="0"/>
+              </a:rPr>
+              <a:t> </a:t>
+            </a:r>
+            <a:r>
+              <a:rPr lang="es-ES" spc="-60" dirty="0" err="1">
+                <a:latin typeface="Garamond" panose="02020404030301010803" pitchFamily="18" charset="0"/>
+              </a:rPr>
+              <a:t>device</a:t>
+            </a:r>
+            <a:endParaRPr spc="-60" dirty="0">
+              <a:latin typeface="Garamond" panose="02020404030301010803" pitchFamily="18" charset="0"/>
+            </a:endParaRPr>
+          </a:p>
+        </p:txBody>
+      </p:sp>
+      <p:sp>
+        <p:nvSpPr>
+          <p:cNvPr id="4" name="object 4"/>
+          <p:cNvSpPr/>
+          <p:nvPr/>
+        </p:nvSpPr>
+        <p:spPr>
+          <a:xfrm>
+            <a:off x="0" y="0"/>
+            <a:ext cx="1468120" cy="35560"/>
+          </a:xfrm>
+          <a:custGeom>
+            <a:avLst/>
+            <a:gdLst/>
+            <a:ahLst/>
+            <a:cxnLst/>
+            <a:rect l="l" t="t" r="r" b="b"/>
+            <a:pathLst>
+              <a:path w="1468120" h="35560">
+                <a:moveTo>
+                  <a:pt x="0" y="35051"/>
+                </a:moveTo>
+                <a:lnTo>
+                  <a:pt x="1467612" y="35051"/>
+                </a:lnTo>
+                <a:lnTo>
+                  <a:pt x="1467612" y="0"/>
+                </a:lnTo>
+                <a:lnTo>
+                  <a:pt x="0" y="0"/>
+                </a:lnTo>
+                <a:lnTo>
+                  <a:pt x="0" y="35051"/>
+                </a:lnTo>
+                <a:close/>
+              </a:path>
+            </a:pathLst>
+          </a:custGeom>
+          <a:solidFill>
+            <a:srgbClr val="E4E4E4">
+              <a:alpha val="63920"/>
+            </a:srgbClr>
+          </a:solidFill>
+        </p:spPr>
+        <p:txBody>
+          <a:bodyPr wrap="square" lIns="0" tIns="0" rIns="0" bIns="0" rtlCol="0"/>
+          <a:lstStyle/>
+          <a:p>
+            <a:endParaRPr/>
+          </a:p>
+        </p:txBody>
+      </p:sp>
+      <p:sp>
+        <p:nvSpPr>
+          <p:cNvPr id="8" name="object 8"/>
+          <p:cNvSpPr/>
+          <p:nvPr/>
+        </p:nvSpPr>
+        <p:spPr>
+          <a:xfrm>
+            <a:off x="0" y="0"/>
+            <a:ext cx="2447544" cy="1097279"/>
+          </a:xfrm>
+          <a:prstGeom prst="rect">
+            <a:avLst/>
+          </a:prstGeom>
+          <a:blipFill>
+            <a:blip r:embed="rId2" cstate="print"/>
+            <a:stretch>
+              <a:fillRect/>
+            </a:stretch>
+          </a:blipFill>
+        </p:spPr>
+        <p:txBody>
+          <a:bodyPr wrap="square" lIns="0" tIns="0" rIns="0" bIns="0" rtlCol="0"/>
+          <a:lstStyle/>
+          <a:p>
+            <a:endParaRPr/>
+          </a:p>
+        </p:txBody>
+      </p:sp>
+      <p:sp>
+        <p:nvSpPr>
+          <p:cNvPr id="22" name="TextBox 21">
+            <a:extLst>
+              <a:ext uri="{FF2B5EF4-FFF2-40B4-BE49-F238E27FC236}">
+                <a16:creationId xmlns:a16="http://schemas.microsoft.com/office/drawing/2014/main" id="{BD02F8C9-261A-48AA-A4BB-5BD8408BEB49}"/>
+              </a:ext>
+            </a:extLst>
+          </p:cNvPr>
+          <p:cNvSpPr txBox="1"/>
+          <p:nvPr/>
+        </p:nvSpPr>
+        <p:spPr>
+          <a:xfrm>
+            <a:off x="609600" y="1752600"/>
+            <a:ext cx="1981200" cy="400110"/>
+          </a:xfrm>
+          <a:prstGeom prst="rect">
+            <a:avLst/>
+          </a:prstGeom>
+        </p:spPr>
+        <p:style>
+          <a:lnRef idx="1">
+            <a:schemeClr val="accent1"/>
+          </a:lnRef>
+          <a:fillRef idx="2">
+            <a:schemeClr val="accent1"/>
+          </a:fillRef>
+          <a:effectRef idx="1">
+            <a:schemeClr val="accent1"/>
+          </a:effectRef>
+          <a:fontRef idx="minor">
+            <a:schemeClr val="dk1"/>
+          </a:fontRef>
+        </p:style>
+        <p:txBody>
+          <a:bodyPr wrap="square" rtlCol="0">
+            <a:spAutoFit/>
+          </a:bodyPr>
+          <a:lstStyle/>
+          <a:p>
+            <a:pPr algn="ctr"/>
+            <a:r>
+              <a:rPr lang="es-ES" sz="2000" dirty="0" err="1">
+                <a:latin typeface="Garamond" panose="02020404030301010803" pitchFamily="18" charset="0"/>
+              </a:rPr>
+              <a:t>Antenna</a:t>
+            </a:r>
+            <a:endParaRPr lang="es-ES" sz="2000" dirty="0">
+              <a:latin typeface="Garamond" panose="02020404030301010803" pitchFamily="18" charset="0"/>
+            </a:endParaRPr>
+          </a:p>
+        </p:txBody>
+      </p:sp>
+      <p:sp>
+        <p:nvSpPr>
+          <p:cNvPr id="14" name="TextBox 13">
+            <a:extLst>
+              <a:ext uri="{FF2B5EF4-FFF2-40B4-BE49-F238E27FC236}">
+                <a16:creationId xmlns:a16="http://schemas.microsoft.com/office/drawing/2014/main" id="{CBCF9F3E-0496-498F-BEFD-C409BFA94E95}"/>
+              </a:ext>
+            </a:extLst>
+          </p:cNvPr>
+          <p:cNvSpPr txBox="1"/>
+          <p:nvPr/>
+        </p:nvSpPr>
+        <p:spPr>
+          <a:xfrm>
+            <a:off x="612710" y="2918600"/>
+            <a:ext cx="1981200" cy="400110"/>
+          </a:xfrm>
+          <a:prstGeom prst="rect">
+            <a:avLst/>
+          </a:prstGeom>
+        </p:spPr>
+        <p:style>
+          <a:lnRef idx="1">
+            <a:schemeClr val="accent1"/>
+          </a:lnRef>
+          <a:fillRef idx="2">
+            <a:schemeClr val="accent1"/>
+          </a:fillRef>
+          <a:effectRef idx="1">
+            <a:schemeClr val="accent1"/>
+          </a:effectRef>
+          <a:fontRef idx="minor">
+            <a:schemeClr val="dk1"/>
+          </a:fontRef>
+        </p:style>
+        <p:txBody>
+          <a:bodyPr wrap="square" rtlCol="0">
+            <a:spAutoFit/>
+          </a:bodyPr>
+          <a:lstStyle/>
+          <a:p>
+            <a:pPr algn="ctr"/>
+            <a:r>
+              <a:rPr lang="es-ES" sz="2000" dirty="0" err="1">
+                <a:latin typeface="Garamond" panose="02020404030301010803" pitchFamily="18" charset="0"/>
+              </a:rPr>
+              <a:t>Circuit</a:t>
+            </a:r>
+            <a:endParaRPr lang="es-ES" sz="2000" dirty="0">
+              <a:latin typeface="Garamond" panose="02020404030301010803" pitchFamily="18" charset="0"/>
+            </a:endParaRPr>
+          </a:p>
+        </p:txBody>
+      </p:sp>
+      <p:sp>
+        <p:nvSpPr>
+          <p:cNvPr id="15" name="TextBox 14">
+            <a:extLst>
+              <a:ext uri="{FF2B5EF4-FFF2-40B4-BE49-F238E27FC236}">
+                <a16:creationId xmlns:a16="http://schemas.microsoft.com/office/drawing/2014/main" id="{7F226151-CBF9-4483-BDCD-94827564CAB1}"/>
+              </a:ext>
+            </a:extLst>
+          </p:cNvPr>
+          <p:cNvSpPr txBox="1"/>
+          <p:nvPr/>
+        </p:nvSpPr>
+        <p:spPr>
+          <a:xfrm>
+            <a:off x="640702" y="3989270"/>
+            <a:ext cx="1981200" cy="400110"/>
+          </a:xfrm>
+          <a:prstGeom prst="rect">
+            <a:avLst/>
+          </a:prstGeom>
+        </p:spPr>
+        <p:style>
+          <a:lnRef idx="1">
+            <a:schemeClr val="accent1"/>
+          </a:lnRef>
+          <a:fillRef idx="2">
+            <a:schemeClr val="accent1"/>
+          </a:fillRef>
+          <a:effectRef idx="1">
+            <a:schemeClr val="accent1"/>
+          </a:effectRef>
+          <a:fontRef idx="minor">
+            <a:schemeClr val="dk1"/>
+          </a:fontRef>
+        </p:style>
+        <p:txBody>
+          <a:bodyPr wrap="square" rtlCol="0">
+            <a:spAutoFit/>
+          </a:bodyPr>
+          <a:lstStyle/>
+          <a:p>
+            <a:pPr algn="ctr"/>
+            <a:r>
+              <a:rPr lang="es-ES" sz="2000" dirty="0">
+                <a:latin typeface="Garamond" panose="02020404030301010803" pitchFamily="18" charset="0"/>
+              </a:rPr>
+              <a:t>Neural Interface</a:t>
+            </a:r>
+          </a:p>
+        </p:txBody>
+      </p:sp>
+      <p:sp>
+        <p:nvSpPr>
+          <p:cNvPr id="16" name="TextBox 15">
+            <a:extLst>
+              <a:ext uri="{FF2B5EF4-FFF2-40B4-BE49-F238E27FC236}">
+                <a16:creationId xmlns:a16="http://schemas.microsoft.com/office/drawing/2014/main" id="{51C6285F-1D81-4544-834A-E1DFBD5917B0}"/>
+              </a:ext>
+            </a:extLst>
+          </p:cNvPr>
+          <p:cNvSpPr txBox="1"/>
+          <p:nvPr/>
+        </p:nvSpPr>
+        <p:spPr>
+          <a:xfrm>
+            <a:off x="609600" y="5155270"/>
+            <a:ext cx="1981200" cy="400110"/>
+          </a:xfrm>
+          <a:prstGeom prst="rect">
+            <a:avLst/>
+          </a:prstGeom>
+        </p:spPr>
+        <p:style>
+          <a:lnRef idx="1">
+            <a:schemeClr val="accent1"/>
+          </a:lnRef>
+          <a:fillRef idx="2">
+            <a:schemeClr val="accent1"/>
+          </a:fillRef>
+          <a:effectRef idx="1">
+            <a:schemeClr val="accent1"/>
+          </a:effectRef>
+          <a:fontRef idx="minor">
+            <a:schemeClr val="dk1"/>
+          </a:fontRef>
+        </p:style>
+        <p:txBody>
+          <a:bodyPr wrap="square" rtlCol="0">
+            <a:spAutoFit/>
+          </a:bodyPr>
+          <a:lstStyle/>
+          <a:p>
+            <a:pPr algn="ctr"/>
+            <a:r>
+              <a:rPr lang="es-ES" sz="2000" dirty="0" err="1">
+                <a:latin typeface="Garamond" panose="02020404030301010803" pitchFamily="18" charset="0"/>
+              </a:rPr>
+              <a:t>Encapsulation</a:t>
+            </a:r>
+            <a:endParaRPr lang="es-ES" sz="2000" dirty="0">
+              <a:latin typeface="Garamond" panose="02020404030301010803" pitchFamily="18" charset="0"/>
+            </a:endParaRPr>
+          </a:p>
+        </p:txBody>
+      </p:sp>
+      <p:sp>
+        <p:nvSpPr>
+          <p:cNvPr id="2" name="Right Brace 1">
+            <a:extLst>
+              <a:ext uri="{FF2B5EF4-FFF2-40B4-BE49-F238E27FC236}">
+                <a16:creationId xmlns:a16="http://schemas.microsoft.com/office/drawing/2014/main" id="{AF274673-D2D1-462A-8ADA-3B94235BF8E1}"/>
+              </a:ext>
+            </a:extLst>
+          </p:cNvPr>
+          <p:cNvSpPr/>
+          <p:nvPr/>
+        </p:nvSpPr>
+        <p:spPr>
+          <a:xfrm>
+            <a:off x="2621902" y="1730829"/>
+            <a:ext cx="426098" cy="3825239"/>
+          </a:xfrm>
+          <a:prstGeom prst="rightBrace">
+            <a:avLst>
+              <a:gd name="adj1" fmla="val 8333"/>
+              <a:gd name="adj2" fmla="val 49756"/>
+            </a:avLst>
+          </a:prstGeom>
+          <a:ln/>
+        </p:spPr>
+        <p:style>
+          <a:lnRef idx="3">
+            <a:schemeClr val="accent6"/>
+          </a:lnRef>
+          <a:fillRef idx="0">
+            <a:schemeClr val="accent6"/>
+          </a:fillRef>
+          <a:effectRef idx="2">
+            <a:schemeClr val="accent6"/>
+          </a:effectRef>
+          <a:fontRef idx="minor">
+            <a:schemeClr val="tx1"/>
+          </a:fontRef>
+        </p:style>
+        <p:txBody>
+          <a:bodyPr rtlCol="0" anchor="ctr"/>
+          <a:lstStyle/>
+          <a:p>
+            <a:pPr algn="ctr"/>
+            <a:endParaRPr lang="es-ES" dirty="0"/>
+          </a:p>
+        </p:txBody>
+      </p:sp>
+      <p:sp>
+        <p:nvSpPr>
+          <p:cNvPr id="7" name="Rectangle 6">
+            <a:extLst>
+              <a:ext uri="{FF2B5EF4-FFF2-40B4-BE49-F238E27FC236}">
+                <a16:creationId xmlns:a16="http://schemas.microsoft.com/office/drawing/2014/main" id="{BFAABF3A-C434-4A92-A109-C85BAEB91C2E}"/>
+              </a:ext>
+            </a:extLst>
+          </p:cNvPr>
+          <p:cNvSpPr/>
+          <p:nvPr/>
+        </p:nvSpPr>
+        <p:spPr>
+          <a:xfrm>
+            <a:off x="6135209" y="3292163"/>
+            <a:ext cx="1371600" cy="670560"/>
+          </a:xfrm>
+          <a:prstGeom prst="rect">
+            <a:avLst/>
+          </a:prstGeom>
+        </p:spPr>
+        <p:style>
+          <a:lnRef idx="1">
+            <a:schemeClr val="accent5"/>
+          </a:lnRef>
+          <a:fillRef idx="2">
+            <a:schemeClr val="accent5"/>
+          </a:fillRef>
+          <a:effectRef idx="1">
+            <a:schemeClr val="accent5"/>
+          </a:effectRef>
+          <a:fontRef idx="minor">
+            <a:schemeClr val="dk1"/>
+          </a:fontRef>
+        </p:style>
+        <p:txBody>
+          <a:bodyPr rtlCol="0" anchor="ctr"/>
+          <a:lstStyle/>
+          <a:p>
+            <a:pPr algn="ctr"/>
+            <a:r>
+              <a:rPr lang="es-ES" dirty="0" err="1"/>
+              <a:t>Circuit</a:t>
+            </a:r>
+            <a:endParaRPr lang="es-ES" dirty="0"/>
+          </a:p>
+        </p:txBody>
+      </p:sp>
+      <p:sp>
+        <p:nvSpPr>
+          <p:cNvPr id="9" name="Rectangle 8">
+            <a:extLst>
+              <a:ext uri="{FF2B5EF4-FFF2-40B4-BE49-F238E27FC236}">
+                <a16:creationId xmlns:a16="http://schemas.microsoft.com/office/drawing/2014/main" id="{35A5861A-3EAA-460C-84FF-9C154426BD7A}"/>
+              </a:ext>
+            </a:extLst>
+          </p:cNvPr>
+          <p:cNvSpPr/>
+          <p:nvPr/>
+        </p:nvSpPr>
+        <p:spPr>
+          <a:xfrm>
+            <a:off x="7554156" y="3511368"/>
+            <a:ext cx="2594824" cy="264160"/>
+          </a:xfrm>
+          <a:prstGeom prst="rect">
+            <a:avLst/>
+          </a:prstGeom>
+        </p:spPr>
+        <p:style>
+          <a:lnRef idx="1">
+            <a:schemeClr val="accent3"/>
+          </a:lnRef>
+          <a:fillRef idx="2">
+            <a:schemeClr val="accent3"/>
+          </a:fillRef>
+          <a:effectRef idx="1">
+            <a:schemeClr val="accent3"/>
+          </a:effectRef>
+          <a:fontRef idx="minor">
+            <a:schemeClr val="dk1"/>
+          </a:fontRef>
+        </p:style>
+        <p:txBody>
+          <a:bodyPr rtlCol="0" anchor="ctr"/>
+          <a:lstStyle/>
+          <a:p>
+            <a:pPr algn="ctr"/>
+            <a:r>
+              <a:rPr lang="es-ES" dirty="0" err="1"/>
+              <a:t>shank</a:t>
+            </a:r>
+            <a:endParaRPr lang="es-ES" dirty="0"/>
+          </a:p>
+        </p:txBody>
+      </p:sp>
+      <p:sp>
+        <p:nvSpPr>
+          <p:cNvPr id="10" name="Isosceles Triangle 9">
+            <a:extLst>
+              <a:ext uri="{FF2B5EF4-FFF2-40B4-BE49-F238E27FC236}">
+                <a16:creationId xmlns:a16="http://schemas.microsoft.com/office/drawing/2014/main" id="{104E7606-ECDD-48DA-B980-B1A08667BB5E}"/>
+              </a:ext>
+            </a:extLst>
+          </p:cNvPr>
+          <p:cNvSpPr/>
+          <p:nvPr/>
+        </p:nvSpPr>
+        <p:spPr>
+          <a:xfrm rot="5400000">
+            <a:off x="10147790" y="3452110"/>
+            <a:ext cx="479749" cy="382675"/>
+          </a:xfrm>
+          <a:prstGeom prst="triangle">
+            <a:avLst/>
+          </a:prstGeom>
+        </p:spPr>
+        <p:style>
+          <a:lnRef idx="1">
+            <a:schemeClr val="accent3"/>
+          </a:lnRef>
+          <a:fillRef idx="2">
+            <a:schemeClr val="accent3"/>
+          </a:fillRef>
+          <a:effectRef idx="1">
+            <a:schemeClr val="accent3"/>
+          </a:effectRef>
+          <a:fontRef idx="minor">
+            <a:schemeClr val="dk1"/>
+          </a:fontRef>
+        </p:style>
+        <p:txBody>
+          <a:bodyPr rtlCol="0" anchor="ctr"/>
+          <a:lstStyle/>
+          <a:p>
+            <a:pPr algn="ctr"/>
+            <a:endParaRPr lang="es-ES" dirty="0"/>
+          </a:p>
+        </p:txBody>
+      </p:sp>
+      <p:pic>
+        <p:nvPicPr>
+          <p:cNvPr id="5" name="Picture 4">
+            <a:extLst>
+              <a:ext uri="{FF2B5EF4-FFF2-40B4-BE49-F238E27FC236}">
+                <a16:creationId xmlns:a16="http://schemas.microsoft.com/office/drawing/2014/main" id="{51C4D917-0888-4A0E-853A-179E63EAF7CB}"/>
+              </a:ext>
+            </a:extLst>
+          </p:cNvPr>
+          <p:cNvPicPr>
+            <a:picLocks noChangeAspect="1"/>
+          </p:cNvPicPr>
+          <p:nvPr/>
+        </p:nvPicPr>
+        <p:blipFill rotWithShape="1">
+          <a:blip r:embed="rId3"/>
+          <a:srcRect l="27750" t="37473" r="56589" b="32457"/>
+          <a:stretch/>
+        </p:blipFill>
+        <p:spPr>
+          <a:xfrm>
+            <a:off x="3878955" y="2675261"/>
+            <a:ext cx="2208907" cy="1904366"/>
+          </a:xfrm>
+          <a:prstGeom prst="rect">
+            <a:avLst/>
+          </a:prstGeom>
+        </p:spPr>
+      </p:pic>
+    </p:spTree>
+    <p:extLst>
+      <p:ext uri="{BB962C8B-B14F-4D97-AF65-F5344CB8AC3E}">
+        <p14:creationId xmlns:p14="http://schemas.microsoft.com/office/powerpoint/2010/main" val="3299204510"/>
+      </p:ext>
+    </p:extLst>
+  </p:cSld>
+  <p:clrMapOvr>
+    <a:masterClrMapping/>
+  </p:clrMapOvr>
+</p:sld>
+</file>
+
 <file path=ppt/slides/slide3.xml><?xml version="1.0" encoding="utf-8"?>
 <p:sld xmlns:a="http://schemas.openxmlformats.org/drawingml/2006/main" xmlns:r="http://schemas.openxmlformats.org/officeDocument/2006/relationships" xmlns:p="http://schemas.openxmlformats.org/presentationml/2006/main">
   <p:cSld>
@@ -3790,37 +3072,13 @@
               <a:rPr lang="es-ES" spc="-60" dirty="0">
                 <a:latin typeface="Garamond" panose="02020404030301010803" pitchFamily="18" charset="0"/>
               </a:rPr>
-              <a:t>2. Modules </a:t>
+              <a:t>3. </a:t>
             </a:r>
             <a:r>
               <a:rPr lang="es-ES" spc="-60" dirty="0" err="1">
                 <a:latin typeface="Garamond" panose="02020404030301010803" pitchFamily="18" charset="0"/>
               </a:rPr>
-              <a:t>of</a:t>
-            </a:r>
-            <a:r>
-              <a:rPr lang="es-ES" spc="-60" dirty="0">
-                <a:latin typeface="Garamond" panose="02020404030301010803" pitchFamily="18" charset="0"/>
-              </a:rPr>
-              <a:t> </a:t>
-            </a:r>
-            <a:r>
-              <a:rPr lang="es-ES" spc="-60" dirty="0" err="1">
-                <a:latin typeface="Garamond" panose="02020404030301010803" pitchFamily="18" charset="0"/>
-              </a:rPr>
-              <a:t>the</a:t>
-            </a:r>
-            <a:r>
-              <a:rPr lang="es-ES" spc="-60" dirty="0">
-                <a:latin typeface="Garamond" panose="02020404030301010803" pitchFamily="18" charset="0"/>
-              </a:rPr>
-              <a:t> </a:t>
-            </a:r>
-            <a:r>
-              <a:rPr lang="es-ES" spc="-60" dirty="0" err="1">
-                <a:latin typeface="Garamond" panose="02020404030301010803" pitchFamily="18" charset="0"/>
-              </a:rPr>
-              <a:t>device</a:t>
+              <a:t>Antenna</a:t>
             </a:r>
             <a:endParaRPr spc="-60" dirty="0">
               <a:latin typeface="Garamond" panose="02020404030301010803" pitchFamily="18" charset="0"/>
@@ -3909,483 +3167,44 @@
           </a:p>
         </p:txBody>
       </p:sp>
-      <p:sp>
-        <p:nvSpPr>
-          <p:cNvPr id="22" name="TextBox 21">
+      <p:pic>
+        <p:nvPicPr>
+          <p:cNvPr id="17" name="그림 41">
             <a:extLst>
               <a:ext uri="{FF2B5EF4-FFF2-40B4-BE49-F238E27FC236}">
-                <a16:creationId xmlns:a16="http://schemas.microsoft.com/office/drawing/2014/main" id="{BD02F8C9-261A-48AA-A4BB-5BD8408BEB49}"/>
+                <a16:creationId xmlns:a16="http://schemas.microsoft.com/office/drawing/2014/main" id="{2D470ACA-4376-4C77-B52A-37D9300159FB}"/>
               </a:ext>
             </a:extLst>
           </p:cNvPr>
-          <p:cNvSpPr txBox="1"/>
+          <p:cNvPicPr/>
           <p:nvPr/>
-        </p:nvSpPr>
-        <p:spPr>
-          <a:xfrm>
-            <a:off x="609600" y="1752600"/>
-            <a:ext cx="1981200" cy="400110"/>
-          </a:xfrm>
-          <a:prstGeom prst="rect">
-            <a:avLst/>
-          </a:prstGeom>
-        </p:spPr>
-        <p:style>
-          <a:lnRef idx="1">
-            <a:schemeClr val="accent1"/>
-          </a:lnRef>
-          <a:fillRef idx="2">
-            <a:schemeClr val="accent1"/>
-          </a:fillRef>
-          <a:effectRef idx="1">
-            <a:schemeClr val="accent1"/>
-          </a:effectRef>
-          <a:fontRef idx="minor">
-            <a:schemeClr val="dk1"/>
-          </a:fontRef>
-        </p:style>
-        <p:txBody>
-          <a:bodyPr wrap="square" rtlCol="0">
-            <a:spAutoFit/>
-          </a:bodyPr>
-          <a:lstStyle/>
-          <a:p>
-            <a:pPr algn="ctr"/>
-            <a:r>
-              <a:rPr lang="es-ES" sz="2000" dirty="0" err="1">
-                <a:latin typeface="Garamond" panose="02020404030301010803" pitchFamily="18" charset="0"/>
-              </a:rPr>
-              <a:t>Antenna</a:t>
-            </a:r>
-            <a:endParaRPr lang="es-ES" sz="2000" dirty="0">
-              <a:latin typeface="Garamond" panose="02020404030301010803" pitchFamily="18" charset="0"/>
-            </a:endParaRPr>
-          </a:p>
-        </p:txBody>
-      </p:sp>
-      <p:sp>
-        <p:nvSpPr>
-          <p:cNvPr id="14" name="TextBox 13">
+        </p:nvPicPr>
+        <p:blipFill>
+          <a:blip r:embed="rId3">
             <a:extLst>
-              <a:ext uri="{FF2B5EF4-FFF2-40B4-BE49-F238E27FC236}">
-                <a16:creationId xmlns:a16="http://schemas.microsoft.com/office/drawing/2014/main" id="{CBCF9F3E-0496-498F-BEFD-C409BFA94E95}"/>
+              <a:ext uri="{28A0092B-C50C-407E-A947-70E740481C1C}">
+                <a14:useLocalDpi xmlns:a14="http://schemas.microsoft.com/office/drawing/2010/main" val="0"/>
               </a:ext>
             </a:extLst>
-          </p:cNvPr>
-          <p:cNvSpPr txBox="1"/>
-          <p:nvPr/>
-        </p:nvSpPr>
-        <p:spPr>
-          <a:xfrm>
-            <a:off x="612710" y="2918600"/>
-            <a:ext cx="1981200" cy="400110"/>
+          </a:blip>
+          <a:stretch>
+            <a:fillRect/>
+          </a:stretch>
+        </p:blipFill>
+        <p:spPr>
+          <a:xfrm>
+            <a:off x="2438400" y="1676400"/>
+            <a:ext cx="7315200" cy="4495800"/>
           </a:xfrm>
           <a:prstGeom prst="rect">
             <a:avLst/>
           </a:prstGeom>
         </p:spPr>
-        <p:style>
-          <a:lnRef idx="1">
-            <a:schemeClr val="accent1"/>
-          </a:lnRef>
-          <a:fillRef idx="2">
-            <a:schemeClr val="accent1"/>
-          </a:fillRef>
-          <a:effectRef idx="1">
-            <a:schemeClr val="accent1"/>
-          </a:effectRef>
-          <a:fontRef idx="minor">
-            <a:schemeClr val="dk1"/>
-          </a:fontRef>
-        </p:style>
-        <p:txBody>
-          <a:bodyPr wrap="square" rtlCol="0">
-            <a:spAutoFit/>
-          </a:bodyPr>
-          <a:lstStyle/>
-          <a:p>
-            <a:pPr algn="ctr"/>
-            <a:r>
-              <a:rPr lang="es-ES" sz="2000" dirty="0" err="1">
-                <a:latin typeface="Garamond" panose="02020404030301010803" pitchFamily="18" charset="0"/>
-              </a:rPr>
-              <a:t>Circuit</a:t>
-            </a:r>
-            <a:endParaRPr lang="es-ES" sz="2000" dirty="0">
-              <a:latin typeface="Garamond" panose="02020404030301010803" pitchFamily="18" charset="0"/>
-            </a:endParaRPr>
-          </a:p>
-        </p:txBody>
-      </p:sp>
-      <p:sp>
-        <p:nvSpPr>
-          <p:cNvPr id="15" name="TextBox 14">
-            <a:extLst>
-              <a:ext uri="{FF2B5EF4-FFF2-40B4-BE49-F238E27FC236}">
-                <a16:creationId xmlns:a16="http://schemas.microsoft.com/office/drawing/2014/main" id="{7F226151-CBF9-4483-BDCD-94827564CAB1}"/>
-              </a:ext>
-            </a:extLst>
-          </p:cNvPr>
-          <p:cNvSpPr txBox="1"/>
-          <p:nvPr/>
-        </p:nvSpPr>
-        <p:spPr>
-          <a:xfrm>
-            <a:off x="640702" y="3989270"/>
-            <a:ext cx="1981200" cy="400110"/>
-          </a:xfrm>
-          <a:prstGeom prst="rect">
-            <a:avLst/>
-          </a:prstGeom>
-        </p:spPr>
-        <p:style>
-          <a:lnRef idx="1">
-            <a:schemeClr val="accent1"/>
-          </a:lnRef>
-          <a:fillRef idx="2">
-            <a:schemeClr val="accent1"/>
-          </a:fillRef>
-          <a:effectRef idx="1">
-            <a:schemeClr val="accent1"/>
-          </a:effectRef>
-          <a:fontRef idx="minor">
-            <a:schemeClr val="dk1"/>
-          </a:fontRef>
-        </p:style>
-        <p:txBody>
-          <a:bodyPr wrap="square" rtlCol="0">
-            <a:spAutoFit/>
-          </a:bodyPr>
-          <a:lstStyle/>
-          <a:p>
-            <a:pPr algn="ctr"/>
-            <a:r>
-              <a:rPr lang="es-ES" sz="2000" dirty="0">
-                <a:latin typeface="Garamond" panose="02020404030301010803" pitchFamily="18" charset="0"/>
-              </a:rPr>
-              <a:t>Neural Interface</a:t>
-            </a:r>
-          </a:p>
-        </p:txBody>
-      </p:sp>
-      <p:sp>
-        <p:nvSpPr>
-          <p:cNvPr id="16" name="TextBox 15">
-            <a:extLst>
-              <a:ext uri="{FF2B5EF4-FFF2-40B4-BE49-F238E27FC236}">
-                <a16:creationId xmlns:a16="http://schemas.microsoft.com/office/drawing/2014/main" id="{51C6285F-1D81-4544-834A-E1DFBD5917B0}"/>
-              </a:ext>
-            </a:extLst>
-          </p:cNvPr>
-          <p:cNvSpPr txBox="1"/>
-          <p:nvPr/>
-        </p:nvSpPr>
-        <p:spPr>
-          <a:xfrm>
-            <a:off x="609600" y="5155270"/>
-            <a:ext cx="1981200" cy="400110"/>
-          </a:xfrm>
-          <a:prstGeom prst="rect">
-            <a:avLst/>
-          </a:prstGeom>
-        </p:spPr>
-        <p:style>
-          <a:lnRef idx="1">
-            <a:schemeClr val="accent1"/>
-          </a:lnRef>
-          <a:fillRef idx="2">
-            <a:schemeClr val="accent1"/>
-          </a:fillRef>
-          <a:effectRef idx="1">
-            <a:schemeClr val="accent1"/>
-          </a:effectRef>
-          <a:fontRef idx="minor">
-            <a:schemeClr val="dk1"/>
-          </a:fontRef>
-        </p:style>
-        <p:txBody>
-          <a:bodyPr wrap="square" rtlCol="0">
-            <a:spAutoFit/>
-          </a:bodyPr>
-          <a:lstStyle/>
-          <a:p>
-            <a:pPr algn="ctr"/>
-            <a:r>
-              <a:rPr lang="es-ES" sz="2000" dirty="0" err="1">
-                <a:latin typeface="Garamond" panose="02020404030301010803" pitchFamily="18" charset="0"/>
-              </a:rPr>
-              <a:t>Encapsulation</a:t>
-            </a:r>
-            <a:endParaRPr lang="es-ES" sz="2000" dirty="0">
-              <a:latin typeface="Garamond" panose="02020404030301010803" pitchFamily="18" charset="0"/>
-            </a:endParaRPr>
-          </a:p>
-        </p:txBody>
-      </p:sp>
-      <p:sp>
-        <p:nvSpPr>
-          <p:cNvPr id="2" name="Right Brace 1">
-            <a:extLst>
-              <a:ext uri="{FF2B5EF4-FFF2-40B4-BE49-F238E27FC236}">
-                <a16:creationId xmlns:a16="http://schemas.microsoft.com/office/drawing/2014/main" id="{AF274673-D2D1-462A-8ADA-3B94235BF8E1}"/>
-              </a:ext>
-            </a:extLst>
-          </p:cNvPr>
-          <p:cNvSpPr/>
-          <p:nvPr/>
-        </p:nvSpPr>
-        <p:spPr>
-          <a:xfrm>
-            <a:off x="2621902" y="1730829"/>
-            <a:ext cx="426098" cy="3825239"/>
-          </a:xfrm>
-          <a:prstGeom prst="rightBrace">
-            <a:avLst>
-              <a:gd name="adj1" fmla="val 8333"/>
-              <a:gd name="adj2" fmla="val 49756"/>
-            </a:avLst>
-          </a:prstGeom>
-          <a:ln/>
-        </p:spPr>
-        <p:style>
-          <a:lnRef idx="3">
-            <a:schemeClr val="accent6"/>
-          </a:lnRef>
-          <a:fillRef idx="0">
-            <a:schemeClr val="accent6"/>
-          </a:fillRef>
-          <a:effectRef idx="2">
-            <a:schemeClr val="accent6"/>
-          </a:effectRef>
-          <a:fontRef idx="minor">
-            <a:schemeClr val="tx1"/>
-          </a:fontRef>
-        </p:style>
-        <p:txBody>
-          <a:bodyPr rtlCol="0" anchor="ctr"/>
-          <a:lstStyle/>
-          <a:p>
-            <a:pPr algn="ctr"/>
-            <a:endParaRPr lang="es-ES" dirty="0"/>
-          </a:p>
-        </p:txBody>
-      </p:sp>
-      <p:sp>
-        <p:nvSpPr>
-          <p:cNvPr id="5" name="Oval 4">
-            <a:extLst>
-              <a:ext uri="{FF2B5EF4-FFF2-40B4-BE49-F238E27FC236}">
-                <a16:creationId xmlns:a16="http://schemas.microsoft.com/office/drawing/2014/main" id="{5ADD2694-523D-4921-A3F6-A50A0954AA3F}"/>
-              </a:ext>
-            </a:extLst>
-          </p:cNvPr>
-          <p:cNvSpPr/>
-          <p:nvPr/>
-        </p:nvSpPr>
-        <p:spPr>
-          <a:xfrm>
-            <a:off x="4005250" y="2670870"/>
-            <a:ext cx="1828800" cy="1718510"/>
-          </a:xfrm>
-          <a:prstGeom prst="ellipse">
-            <a:avLst/>
-          </a:prstGeom>
-          <a:gradFill flip="none" rotWithShape="1">
-            <a:gsLst>
-              <a:gs pos="0">
-                <a:srgbClr val="FFFF00">
-                  <a:tint val="66000"/>
-                  <a:satMod val="160000"/>
-                </a:srgbClr>
-              </a:gs>
-              <a:gs pos="50000">
-                <a:srgbClr val="FFFF00">
-                  <a:tint val="44500"/>
-                  <a:satMod val="160000"/>
-                </a:srgbClr>
-              </a:gs>
-              <a:gs pos="100000">
-                <a:srgbClr val="FFFF00">
-                  <a:tint val="23500"/>
-                  <a:satMod val="160000"/>
-                </a:srgbClr>
-              </a:gs>
-            </a:gsLst>
-            <a:lin ang="16200000" scaled="1"/>
-            <a:tileRect/>
-          </a:gradFill>
-        </p:spPr>
-        <p:style>
-          <a:lnRef idx="1">
-            <a:schemeClr val="accent6"/>
-          </a:lnRef>
-          <a:fillRef idx="2">
-            <a:schemeClr val="accent6"/>
-          </a:fillRef>
-          <a:effectRef idx="1">
-            <a:schemeClr val="accent6"/>
-          </a:effectRef>
-          <a:fontRef idx="minor">
-            <a:schemeClr val="dk1"/>
-          </a:fontRef>
-        </p:style>
-        <p:txBody>
-          <a:bodyPr rtlCol="0" anchor="ctr"/>
-          <a:lstStyle/>
-          <a:p>
-            <a:pPr algn="ctr"/>
-            <a:r>
-              <a:rPr lang="es-ES" dirty="0" err="1"/>
-              <a:t>Antenna</a:t>
-            </a:r>
-            <a:endParaRPr lang="es-ES" dirty="0"/>
-          </a:p>
-        </p:txBody>
-      </p:sp>
-      <p:sp>
-        <p:nvSpPr>
-          <p:cNvPr id="7" name="Rectangle 6">
-            <a:extLst>
-              <a:ext uri="{FF2B5EF4-FFF2-40B4-BE49-F238E27FC236}">
-                <a16:creationId xmlns:a16="http://schemas.microsoft.com/office/drawing/2014/main" id="{BFAABF3A-C434-4A92-A109-C85BAEB91C2E}"/>
-              </a:ext>
-            </a:extLst>
-          </p:cNvPr>
-          <p:cNvSpPr/>
-          <p:nvPr/>
-        </p:nvSpPr>
-        <p:spPr>
-          <a:xfrm rot="16200000">
-            <a:off x="5507455" y="3269908"/>
-            <a:ext cx="1371600" cy="670560"/>
-          </a:xfrm>
-          <a:prstGeom prst="rect">
-            <a:avLst/>
-          </a:prstGeom>
-        </p:spPr>
-        <p:style>
-          <a:lnRef idx="1">
-            <a:schemeClr val="accent5"/>
-          </a:lnRef>
-          <a:fillRef idx="2">
-            <a:schemeClr val="accent5"/>
-          </a:fillRef>
-          <a:effectRef idx="1">
-            <a:schemeClr val="accent5"/>
-          </a:effectRef>
-          <a:fontRef idx="minor">
-            <a:schemeClr val="dk1"/>
-          </a:fontRef>
-        </p:style>
-        <p:txBody>
-          <a:bodyPr rtlCol="0" anchor="ctr"/>
-          <a:lstStyle/>
-          <a:p>
-            <a:pPr algn="ctr"/>
-            <a:r>
-              <a:rPr lang="es-ES" dirty="0" err="1"/>
-              <a:t>Circuit</a:t>
-            </a:r>
-            <a:endParaRPr lang="es-ES" dirty="0"/>
-          </a:p>
-        </p:txBody>
-      </p:sp>
-      <p:sp>
-        <p:nvSpPr>
-          <p:cNvPr id="9" name="Rectangle 8">
-            <a:extLst>
-              <a:ext uri="{FF2B5EF4-FFF2-40B4-BE49-F238E27FC236}">
-                <a16:creationId xmlns:a16="http://schemas.microsoft.com/office/drawing/2014/main" id="{35A5861A-3EAA-460C-84FF-9C154426BD7A}"/>
-              </a:ext>
-            </a:extLst>
-          </p:cNvPr>
-          <p:cNvSpPr/>
-          <p:nvPr/>
-        </p:nvSpPr>
-        <p:spPr>
-          <a:xfrm>
-            <a:off x="6539884" y="3344904"/>
-            <a:ext cx="2594824" cy="382676"/>
-          </a:xfrm>
-          <a:prstGeom prst="rect">
-            <a:avLst/>
-          </a:prstGeom>
-        </p:spPr>
-        <p:style>
-          <a:lnRef idx="1">
-            <a:schemeClr val="accent3"/>
-          </a:lnRef>
-          <a:fillRef idx="2">
-            <a:schemeClr val="accent3"/>
-          </a:fillRef>
-          <a:effectRef idx="1">
-            <a:schemeClr val="accent3"/>
-          </a:effectRef>
-          <a:fontRef idx="minor">
-            <a:schemeClr val="dk1"/>
-          </a:fontRef>
-        </p:style>
-        <p:txBody>
-          <a:bodyPr rtlCol="0" anchor="ctr"/>
-          <a:lstStyle/>
-          <a:p>
-            <a:pPr algn="ctr"/>
-            <a:r>
-              <a:rPr lang="es-ES" dirty="0" err="1"/>
-              <a:t>shank</a:t>
-            </a:r>
-            <a:endParaRPr lang="es-ES" dirty="0"/>
-          </a:p>
-        </p:txBody>
-      </p:sp>
-      <p:sp>
-        <p:nvSpPr>
-          <p:cNvPr id="10" name="Isosceles Triangle 9">
-            <a:extLst>
-              <a:ext uri="{FF2B5EF4-FFF2-40B4-BE49-F238E27FC236}">
-                <a16:creationId xmlns:a16="http://schemas.microsoft.com/office/drawing/2014/main" id="{104E7606-ECDD-48DA-B980-B1A08667BB5E}"/>
-              </a:ext>
-            </a:extLst>
-          </p:cNvPr>
-          <p:cNvSpPr/>
-          <p:nvPr/>
-        </p:nvSpPr>
-        <p:spPr>
-          <a:xfrm rot="5400000">
-            <a:off x="9134022" y="3344904"/>
-            <a:ext cx="479749" cy="382675"/>
-          </a:xfrm>
-          <a:prstGeom prst="triangle">
-            <a:avLst/>
-          </a:prstGeom>
-        </p:spPr>
-        <p:style>
-          <a:lnRef idx="1">
-            <a:schemeClr val="accent3"/>
-          </a:lnRef>
-          <a:fillRef idx="2">
-            <a:schemeClr val="accent3"/>
-          </a:fillRef>
-          <a:effectRef idx="1">
-            <a:schemeClr val="accent3"/>
-          </a:effectRef>
-          <a:fontRef idx="minor">
-            <a:schemeClr val="dk1"/>
-          </a:fontRef>
-        </p:style>
-        <p:txBody>
-          <a:bodyPr rtlCol="0" anchor="ctr"/>
-          <a:lstStyle/>
-          <a:p>
-            <a:pPr algn="ctr"/>
-            <a:endParaRPr lang="es-ES" dirty="0"/>
-          </a:p>
-        </p:txBody>
-      </p:sp>
+      </p:pic>
     </p:spTree>
     <p:extLst>
       <p:ext uri="{BB962C8B-B14F-4D97-AF65-F5344CB8AC3E}">
-        <p14:creationId xmlns:p14="http://schemas.microsoft.com/office/powerpoint/2010/main" val="3299204510"/>
+        <p14:creationId xmlns:p14="http://schemas.microsoft.com/office/powerpoint/2010/main" val="1940642805"/>
       </p:ext>
     </p:extLst>
   </p:cSld>
@@ -4505,37 +3324,13 @@
               <a:rPr lang="es-ES" spc="-60" dirty="0">
                 <a:latin typeface="Garamond" panose="02020404030301010803" pitchFamily="18" charset="0"/>
               </a:rPr>
-              <a:t>2. Modules </a:t>
+              <a:t>4. </a:t>
             </a:r>
             <a:r>
               <a:rPr lang="es-ES" spc="-60" dirty="0" err="1">
                 <a:latin typeface="Garamond" panose="02020404030301010803" pitchFamily="18" charset="0"/>
               </a:rPr>
-              <a:t>of</a:t>
-            </a:r>
-            <a:r>
-              <a:rPr lang="es-ES" spc="-60" dirty="0">
-                <a:latin typeface="Garamond" panose="02020404030301010803" pitchFamily="18" charset="0"/>
-              </a:rPr>
-              <a:t> </a:t>
-            </a:r>
-            <a:r>
-              <a:rPr lang="es-ES" spc="-60" dirty="0" err="1">
-                <a:latin typeface="Garamond" panose="02020404030301010803" pitchFamily="18" charset="0"/>
-              </a:rPr>
-              <a:t>the</a:t>
-            </a:r>
-            <a:r>
-              <a:rPr lang="es-ES" spc="-60" dirty="0">
-                <a:latin typeface="Garamond" panose="02020404030301010803" pitchFamily="18" charset="0"/>
-              </a:rPr>
-              <a:t> </a:t>
-            </a:r>
-            <a:r>
-              <a:rPr lang="es-ES" spc="-60" dirty="0" err="1">
-                <a:latin typeface="Garamond" panose="02020404030301010803" pitchFamily="18" charset="0"/>
-              </a:rPr>
-              <a:t>device</a:t>
+              <a:t>circuit</a:t>
             </a:r>
             <a:endParaRPr spc="-60" dirty="0">
               <a:latin typeface="Garamond" panose="02020404030301010803" pitchFamily="18" charset="0"/>
@@ -4624,6 +3419,309 @@
           </a:p>
         </p:txBody>
       </p:sp>
+      <p:pic>
+        <p:nvPicPr>
+          <p:cNvPr id="5" name="Picture 4" descr="A close up of a map&#10;&#10;Description automatically generated">
+            <a:extLst>
+              <a:ext uri="{FF2B5EF4-FFF2-40B4-BE49-F238E27FC236}">
+                <a16:creationId xmlns:a16="http://schemas.microsoft.com/office/drawing/2014/main" id="{D50A2344-AC43-43A2-BA16-50A675CCFEFC}"/>
+              </a:ext>
+            </a:extLst>
+          </p:cNvPr>
+          <p:cNvPicPr>
+            <a:picLocks noChangeAspect="1"/>
+          </p:cNvPicPr>
+          <p:nvPr/>
+        </p:nvPicPr>
+        <p:blipFill>
+          <a:blip r:embed="rId3">
+            <a:extLst>
+              <a:ext uri="{28A0092B-C50C-407E-A947-70E740481C1C}">
+                <a14:useLocalDpi xmlns:a14="http://schemas.microsoft.com/office/drawing/2010/main" val="0"/>
+              </a:ext>
+            </a:extLst>
+          </a:blip>
+          <a:stretch>
+            <a:fillRect/>
+          </a:stretch>
+        </p:blipFill>
+        <p:spPr>
+          <a:xfrm>
+            <a:off x="2511546" y="1374137"/>
+            <a:ext cx="7168908" cy="2115824"/>
+          </a:xfrm>
+          <a:prstGeom prst="rect">
+            <a:avLst/>
+          </a:prstGeom>
+        </p:spPr>
+      </p:pic>
+      <p:pic>
+        <p:nvPicPr>
+          <p:cNvPr id="9" name="Picture 8" descr="A picture containing electronics, circuit&#10;&#10;Description automatically generated">
+            <a:extLst>
+              <a:ext uri="{FF2B5EF4-FFF2-40B4-BE49-F238E27FC236}">
+                <a16:creationId xmlns:a16="http://schemas.microsoft.com/office/drawing/2014/main" id="{95A807C5-7874-4096-96C9-064E042E2AF5}"/>
+              </a:ext>
+            </a:extLst>
+          </p:cNvPr>
+          <p:cNvPicPr>
+            <a:picLocks noChangeAspect="1"/>
+          </p:cNvPicPr>
+          <p:nvPr/>
+        </p:nvPicPr>
+        <p:blipFill>
+          <a:blip r:embed="rId4">
+            <a:extLst>
+              <a:ext uri="{28A0092B-C50C-407E-A947-70E740481C1C}">
+                <a14:useLocalDpi xmlns:a14="http://schemas.microsoft.com/office/drawing/2010/main" val="0"/>
+              </a:ext>
+            </a:extLst>
+          </a:blip>
+          <a:stretch>
+            <a:fillRect/>
+          </a:stretch>
+        </p:blipFill>
+        <p:spPr>
+          <a:xfrm>
+            <a:off x="3200400" y="3200400"/>
+            <a:ext cx="6019800" cy="2935162"/>
+          </a:xfrm>
+          <a:prstGeom prst="roundRect">
+            <a:avLst>
+              <a:gd name="adj" fmla="val 8594"/>
+            </a:avLst>
+          </a:prstGeom>
+          <a:solidFill>
+            <a:srgbClr val="FFFFFF">
+              <a:shade val="85000"/>
+            </a:srgbClr>
+          </a:solidFill>
+          <a:ln>
+            <a:noFill/>
+          </a:ln>
+          <a:effectLst>
+            <a:reflection blurRad="12700" stA="38000" endPos="28000" dist="5000" dir="5400000" sy="-100000" algn="bl" rotWithShape="0"/>
+          </a:effectLst>
+        </p:spPr>
+      </p:pic>
+    </p:spTree>
+    <p:extLst>
+      <p:ext uri="{BB962C8B-B14F-4D97-AF65-F5344CB8AC3E}">
+        <p14:creationId xmlns:p14="http://schemas.microsoft.com/office/powerpoint/2010/main" val="7742419"/>
+      </p:ext>
+    </p:extLst>
+  </p:cSld>
+  <p:clrMapOvr>
+    <a:masterClrMapping/>
+  </p:clrMapOvr>
+</p:sld>
+</file>
+
+<file path=ppt/slides/slide5.xml><?xml version="1.0" encoding="utf-8"?>
+<p:sld xmlns:a="http://schemas.openxmlformats.org/drawingml/2006/main" xmlns:r="http://schemas.openxmlformats.org/officeDocument/2006/relationships" xmlns:p="http://schemas.openxmlformats.org/presentationml/2006/main">
+  <p:cSld>
+    <p:spTree>
+      <p:nvGrpSpPr>
+        <p:cNvPr id="1" name=""/>
+        <p:cNvGrpSpPr/>
+        <p:nvPr/>
+      </p:nvGrpSpPr>
+      <p:grpSpPr>
+        <a:xfrm>
+          <a:off x="0" y="0"/>
+          <a:ext cx="0" cy="0"/>
+          <a:chOff x="0" y="0"/>
+          <a:chExt cx="0" cy="0"/>
+        </a:xfrm>
+      </p:grpSpPr>
+      <p:sp>
+        <p:nvSpPr>
+          <p:cNvPr id="6" name="object 6"/>
+          <p:cNvSpPr/>
+          <p:nvPr/>
+        </p:nvSpPr>
+        <p:spPr>
+          <a:xfrm>
+            <a:off x="5080" y="-15239"/>
+            <a:ext cx="12185902" cy="1097279"/>
+          </a:xfrm>
+          <a:custGeom>
+            <a:avLst/>
+            <a:gdLst/>
+            <a:ahLst/>
+            <a:cxnLst/>
+            <a:rect l="l" t="t" r="r" b="b"/>
+            <a:pathLst>
+              <a:path w="1896110" h="1463040">
+                <a:moveTo>
+                  <a:pt x="0" y="1463039"/>
+                </a:moveTo>
+                <a:lnTo>
+                  <a:pt x="1895856" y="1463039"/>
+                </a:lnTo>
+                <a:lnTo>
+                  <a:pt x="1895856" y="0"/>
+                </a:lnTo>
+                <a:lnTo>
+                  <a:pt x="0" y="0"/>
+                </a:lnTo>
+                <a:lnTo>
+                  <a:pt x="0" y="1463039"/>
+                </a:lnTo>
+                <a:close/>
+              </a:path>
+            </a:pathLst>
+          </a:custGeom>
+          <a:solidFill>
+            <a:schemeClr val="bg1">
+              <a:lumMod val="95000"/>
+            </a:schemeClr>
+          </a:solidFill>
+        </p:spPr>
+        <p:txBody>
+          <a:bodyPr wrap="square" lIns="0" tIns="0" rIns="0" bIns="0" rtlCol="0"/>
+          <a:lstStyle/>
+          <a:p>
+            <a:endParaRPr dirty="0"/>
+          </a:p>
+        </p:txBody>
+      </p:sp>
+      <p:sp>
+        <p:nvSpPr>
+          <p:cNvPr id="3" name="object 3"/>
+          <p:cNvSpPr txBox="1">
+            <a:spLocks noGrp="1"/>
+          </p:cNvSpPr>
+          <p:nvPr>
+            <p:ph type="title"/>
+          </p:nvPr>
+        </p:nvSpPr>
+        <p:spPr>
+          <a:xfrm>
+            <a:off x="3352800" y="261619"/>
+            <a:ext cx="6745605" cy="574040"/>
+          </a:xfrm>
+          <a:prstGeom prst="rect">
+            <a:avLst/>
+          </a:prstGeom>
+        </p:spPr>
+        <p:txBody>
+          <a:bodyPr vert="horz" wrap="square" lIns="0" tIns="12700" rIns="0" bIns="0" rtlCol="0">
+            <a:spAutoFit/>
+          </a:bodyPr>
+          <a:lstStyle/>
+          <a:p>
+            <a:pPr marL="12700" algn="l">
+              <a:lnSpc>
+                <a:spcPct val="100000"/>
+              </a:lnSpc>
+              <a:spcBef>
+                <a:spcPts val="100"/>
+              </a:spcBef>
+              <a:tabLst>
+                <a:tab pos="2682875" algn="l"/>
+                <a:tab pos="3975100" algn="l"/>
+              </a:tabLst>
+            </a:pPr>
+            <a:r>
+              <a:rPr lang="es-ES" spc="-60" dirty="0">
+                <a:latin typeface="Garamond" panose="02020404030301010803" pitchFamily="18" charset="0"/>
+              </a:rPr>
+              <a:t>4. </a:t>
+            </a:r>
+            <a:r>
+              <a:rPr lang="es-ES" spc="-60" dirty="0" err="1">
+                <a:latin typeface="Garamond" panose="02020404030301010803" pitchFamily="18" charset="0"/>
+              </a:rPr>
+              <a:t>circuit</a:t>
+            </a:r>
+            <a:endParaRPr spc="-60" dirty="0">
+              <a:latin typeface="Garamond" panose="02020404030301010803" pitchFamily="18" charset="0"/>
+            </a:endParaRPr>
+          </a:p>
+        </p:txBody>
+      </p:sp>
+      <p:sp>
+        <p:nvSpPr>
+          <p:cNvPr id="4" name="object 4"/>
+          <p:cNvSpPr/>
+          <p:nvPr/>
+        </p:nvSpPr>
+        <p:spPr>
+          <a:xfrm>
+            <a:off x="0" y="0"/>
+            <a:ext cx="1468120" cy="35560"/>
+          </a:xfrm>
+          <a:custGeom>
+            <a:avLst/>
+            <a:gdLst/>
+            <a:ahLst/>
+            <a:cxnLst/>
+            <a:rect l="l" t="t" r="r" b="b"/>
+            <a:pathLst>
+              <a:path w="1468120" h="35560">
+                <a:moveTo>
+                  <a:pt x="0" y="35051"/>
+                </a:moveTo>
+                <a:lnTo>
+                  <a:pt x="1467612" y="35051"/>
+                </a:lnTo>
+                <a:lnTo>
+                  <a:pt x="1467612" y="0"/>
+                </a:lnTo>
+                <a:lnTo>
+                  <a:pt x="0" y="0"/>
+                </a:lnTo>
+                <a:lnTo>
+                  <a:pt x="0" y="35051"/>
+                </a:lnTo>
+                <a:close/>
+              </a:path>
+            </a:pathLst>
+          </a:custGeom>
+          <a:solidFill>
+            <a:srgbClr val="E4E4E4">
+              <a:alpha val="63920"/>
+            </a:srgbClr>
+          </a:solidFill>
+        </p:spPr>
+        <p:txBody>
+          <a:bodyPr wrap="square" lIns="0" tIns="0" rIns="0" bIns="0" rtlCol="0"/>
+          <a:lstStyle/>
+          <a:p>
+            <a:endParaRPr/>
+          </a:p>
+        </p:txBody>
+      </p:sp>
+      <p:sp>
+        <p:nvSpPr>
+          <p:cNvPr id="8" name="object 8"/>
+          <p:cNvSpPr/>
+          <p:nvPr/>
+        </p:nvSpPr>
+        <p:spPr>
+          <a:xfrm>
+            <a:off x="0" y="0"/>
+            <a:ext cx="2447544" cy="1097279"/>
+          </a:xfrm>
+          <a:prstGeom prst="rect">
+            <a:avLst/>
+          </a:prstGeom>
+          <a:blipFill>
+            <a:blip r:embed="rId2" cstate="print"/>
+            <a:stretch>
+              <a:fillRect/>
+            </a:stretch>
+          </a:blipFill>
+        </p:spPr>
+        <p:txBody>
+          <a:bodyPr wrap="square" lIns="0" tIns="0" rIns="0" bIns="0" rtlCol="0"/>
+          <a:lstStyle/>
+          <a:p>
+            <a:endParaRPr/>
+          </a:p>
+        </p:txBody>
+      </p:sp>
       <p:sp>
         <p:nvSpPr>
           <p:cNvPr id="11" name="TextBox 10">
@@ -4881,7 +3979,7 @@
     </p:spTree>
     <p:extLst>
       <p:ext uri="{BB962C8B-B14F-4D97-AF65-F5344CB8AC3E}">
-        <p14:creationId xmlns:p14="http://schemas.microsoft.com/office/powerpoint/2010/main" val="7742419"/>
+        <p14:creationId xmlns:p14="http://schemas.microsoft.com/office/powerpoint/2010/main" val="1984880618"/>
       </p:ext>
     </p:extLst>
   </p:cSld>

--- a/Individual_Contribution/GabrielGaleote/proofOfConcept/proofOfConcept.pptx
+++ b/Individual_Contribution/GabrielGaleote/proofOfConcept/proofOfConcept.pptx
@@ -10,6 +10,7 @@
     <p:sldId id="260" r:id="rId4"/>
     <p:sldId id="259" r:id="rId5"/>
     <p:sldId id="261" r:id="rId6"/>
+    <p:sldId id="262" r:id="rId7"/>
   </p:sldIdLst>
   <p:sldSz cx="12192000" cy="6858000"/>
   <p:notesSz cx="12192000" cy="6858000"/>
@@ -266,7 +267,7 @@
           <a:p>
             <a:fld id="{1D8BD707-D9CF-40AE-B4C6-C98DA3205C09}" type="datetimeFigureOut">
               <a:rPr lang="en-US"/>
-              <a:t>5/21/2019</a:t>
+              <a:t>5/22/2019</a:t>
             </a:fld>
             <a:endParaRPr lang="en-US"/>
           </a:p>
@@ -441,7 +442,7 @@
           <a:p>
             <a:fld id="{1D8BD707-D9CF-40AE-B4C6-C98DA3205C09}" type="datetimeFigureOut">
               <a:rPr lang="en-US"/>
-              <a:t>5/21/2019</a:t>
+              <a:t>5/22/2019</a:t>
             </a:fld>
             <a:endParaRPr lang="en-US"/>
           </a:p>
@@ -655,7 +656,7 @@
           <a:p>
             <a:fld id="{1D8BD707-D9CF-40AE-B4C6-C98DA3205C09}" type="datetimeFigureOut">
               <a:rPr lang="en-US"/>
-              <a:t>5/21/2019</a:t>
+              <a:t>5/22/2019</a:t>
             </a:fld>
             <a:endParaRPr lang="en-US"/>
           </a:p>
@@ -803,7 +804,7 @@
           <a:p>
             <a:fld id="{1D8BD707-D9CF-40AE-B4C6-C98DA3205C09}" type="datetimeFigureOut">
               <a:rPr lang="en-US"/>
-              <a:t>5/21/2019</a:t>
+              <a:t>5/22/2019</a:t>
             </a:fld>
             <a:endParaRPr lang="en-US"/>
           </a:p>
@@ -1032,7 +1033,7 @@
           <a:p>
             <a:fld id="{1D8BD707-D9CF-40AE-B4C6-C98DA3205C09}" type="datetimeFigureOut">
               <a:rPr lang="en-US"/>
-              <a:t>5/21/2019</a:t>
+              <a:t>5/22/2019</a:t>
             </a:fld>
             <a:endParaRPr lang="en-US"/>
           </a:p>
@@ -1255,7 +1256,7 @@
           <a:p>
             <a:fld id="{1D8BD707-D9CF-40AE-B4C6-C98DA3205C09}" type="datetimeFigureOut">
               <a:rPr lang="en-US"/>
-              <a:t>5/21/2019</a:t>
+              <a:t>5/22/2019</a:t>
             </a:fld>
             <a:endParaRPr lang="en-US"/>
           </a:p>
@@ -2821,10 +2822,14 @@
           <a:p>
             <a:pPr algn="ctr"/>
             <a:r>
-              <a:rPr lang="es-ES" dirty="0" err="1"/>
+              <a:rPr lang="es-ES" dirty="0" err="1">
+                <a:latin typeface="Garamond" panose="02020404030301010803" pitchFamily="18" charset="0"/>
+              </a:rPr>
               <a:t>Circuit</a:t>
             </a:r>
-            <a:endParaRPr lang="es-ES" dirty="0"/>
+            <a:endParaRPr lang="es-ES" dirty="0">
+              <a:latin typeface="Garamond" panose="02020404030301010803" pitchFamily="18" charset="0"/>
+            </a:endParaRPr>
           </a:p>
         </p:txBody>
       </p:sp>
@@ -2869,10 +2874,14 @@
           <a:p>
             <a:pPr algn="ctr"/>
             <a:r>
-              <a:rPr lang="es-ES" dirty="0" err="1"/>
+              <a:rPr lang="es-ES" dirty="0" err="1">
+                <a:latin typeface="Garamond" panose="02020404030301010803" pitchFamily="18" charset="0"/>
+              </a:rPr>
               <a:t>shank</a:t>
             </a:r>
-            <a:endParaRPr lang="es-ES" dirty="0"/>
+            <a:endParaRPr lang="es-ES" dirty="0">
+              <a:latin typeface="Garamond" panose="02020404030301010803" pitchFamily="18" charset="0"/>
+            </a:endParaRPr>
           </a:p>
         </p:txBody>
       </p:sp>
@@ -3330,7 +3339,7 @@
               <a:rPr lang="es-ES" spc="-60" dirty="0" err="1">
                 <a:latin typeface="Garamond" panose="02020404030301010803" pitchFamily="18" charset="0"/>
               </a:rPr>
-              <a:t>circuit</a:t>
+              <a:t>Circuit</a:t>
             </a:r>
             <a:endParaRPr spc="-60" dirty="0">
               <a:latin typeface="Garamond" panose="02020404030301010803" pitchFamily="18" charset="0"/>
@@ -3627,13 +3636,43 @@
               <a:rPr lang="es-ES" spc="-60" dirty="0">
                 <a:latin typeface="Garamond" panose="02020404030301010803" pitchFamily="18" charset="0"/>
               </a:rPr>
-              <a:t>4. </a:t>
+              <a:t>5. </a:t>
             </a:r>
             <a:r>
               <a:rPr lang="es-ES" spc="-60" dirty="0" err="1">
                 <a:latin typeface="Garamond" panose="02020404030301010803" pitchFamily="18" charset="0"/>
               </a:rPr>
-              <a:t>circuit</a:t>
+              <a:t>Why</a:t>
+            </a:r>
+            <a:r>
+              <a:rPr lang="es-ES" spc="-60" dirty="0">
+                <a:latin typeface="Garamond" panose="02020404030301010803" pitchFamily="18" charset="0"/>
+              </a:rPr>
+              <a:t> </a:t>
+            </a:r>
+            <a:r>
+              <a:rPr lang="es-ES" spc="-60" dirty="0" err="1">
+                <a:latin typeface="Garamond" panose="02020404030301010803" pitchFamily="18" charset="0"/>
+              </a:rPr>
+              <a:t>this</a:t>
+            </a:r>
+            <a:r>
+              <a:rPr lang="es-ES" spc="-60" dirty="0">
+                <a:latin typeface="Garamond" panose="02020404030301010803" pitchFamily="18" charset="0"/>
+              </a:rPr>
+              <a:t> </a:t>
+            </a:r>
+            <a:r>
+              <a:rPr lang="es-ES" spc="-60" dirty="0" err="1">
+                <a:latin typeface="Garamond" panose="02020404030301010803" pitchFamily="18" charset="0"/>
+              </a:rPr>
+              <a:t>design</a:t>
+            </a:r>
+            <a:r>
+              <a:rPr lang="es-ES" spc="-60" dirty="0">
+                <a:latin typeface="Garamond" panose="02020404030301010803" pitchFamily="18" charset="0"/>
+              </a:rPr>
+              <a:t>?</a:t>
             </a:r>
             <a:endParaRPr spc="-60" dirty="0">
               <a:latin typeface="Garamond" panose="02020404030301010803" pitchFamily="18" charset="0"/>
@@ -3736,8 +3775,8 @@
         </p:nvSpPr>
         <p:spPr>
           <a:xfrm>
-            <a:off x="533400" y="1524000"/>
-            <a:ext cx="6422336" cy="2031325"/>
+            <a:off x="734060" y="1981200"/>
+            <a:ext cx="9677265" cy="3816429"/>
           </a:xfrm>
           <a:prstGeom prst="rect">
             <a:avLst/>
@@ -3751,227 +3790,110 @@
           <a:lstStyle/>
           <a:p>
             <a:r>
-              <a:rPr lang="es-ES" dirty="0"/>
-              <a:t>Pros and </a:t>
-            </a:r>
-            <a:r>
-              <a:rPr lang="es-ES" dirty="0" err="1"/>
-              <a:t>cons</a:t>
-            </a:r>
+              <a:rPr lang="en-GB" sz="2800" dirty="0">
+                <a:latin typeface="Garamond" panose="02020404030301010803" pitchFamily="18" charset="0"/>
+              </a:rPr>
+              <a:t>Pros and cons of this design:</a:t>
+            </a:r>
+          </a:p>
+          <a:p>
+            <a:endParaRPr lang="en-GB" sz="2800" dirty="0">
+              <a:latin typeface="Garamond" panose="02020404030301010803" pitchFamily="18" charset="0"/>
+            </a:endParaRPr>
+          </a:p>
+          <a:p>
+            <a:r>
+              <a:rPr lang="en-GB" sz="2800" dirty="0">
+                <a:latin typeface="Garamond" panose="02020404030301010803" pitchFamily="18" charset="0"/>
+              </a:rPr>
+              <a:t>+ Easy to reduce size of </a:t>
+            </a:r>
+            <a:r>
+              <a:rPr lang="en-GB" sz="2800" dirty="0" err="1">
+                <a:latin typeface="Garamond" panose="02020404030301010803" pitchFamily="18" charset="0"/>
+              </a:rPr>
+              <a:t>antena</a:t>
+            </a:r>
+            <a:r>
+              <a:rPr lang="en-GB" sz="2800" dirty="0">
+                <a:latin typeface="Garamond" panose="02020404030301010803" pitchFamily="18" charset="0"/>
+              </a:rPr>
+              <a:t> </a:t>
+            </a:r>
+            <a:r>
+              <a:rPr lang="en-GB" sz="2800" dirty="0">
+                <a:latin typeface="Garamond" panose="02020404030301010803" pitchFamily="18" charset="0"/>
+                <a:sym typeface="Wingdings" panose="05000000000000000000" pitchFamily="2" charset="2"/>
+              </a:rPr>
+              <a:t> Antenna and circuit are separate.</a:t>
+            </a:r>
+            <a:endParaRPr lang="en-GB" sz="2800" dirty="0">
+              <a:latin typeface="Garamond" panose="02020404030301010803" pitchFamily="18" charset="0"/>
+            </a:endParaRPr>
+          </a:p>
+          <a:p>
+            <a:r>
+              <a:rPr lang="en-GB" sz="2800" dirty="0">
+                <a:latin typeface="Garamond" panose="02020404030301010803" pitchFamily="18" charset="0"/>
+              </a:rPr>
+              <a:t>+ Easy to model the shank as separated from the rest of the device.</a:t>
+            </a:r>
+          </a:p>
+          <a:p>
+            <a:r>
+              <a:rPr lang="en-GB" sz="2800" dirty="0">
+                <a:latin typeface="Garamond" panose="02020404030301010803" pitchFamily="18" charset="0"/>
+              </a:rPr>
+              <a:t>+ more length to the shank </a:t>
+            </a:r>
+            <a:r>
+              <a:rPr lang="en-GB" sz="2800" dirty="0">
+                <a:latin typeface="Garamond" panose="02020404030301010803" pitchFamily="18" charset="0"/>
+                <a:sym typeface="Wingdings" panose="05000000000000000000" pitchFamily="2" charset="2"/>
+              </a:rPr>
+              <a:t> Can reach more deep in tissue.</a:t>
+            </a:r>
+            <a:endParaRPr lang="en-GB" sz="2800" dirty="0">
+              <a:latin typeface="Garamond" panose="02020404030301010803" pitchFamily="18" charset="0"/>
+            </a:endParaRPr>
+          </a:p>
+          <a:p>
+            <a:r>
+              <a:rPr lang="en-GB" sz="2800" dirty="0">
+                <a:latin typeface="Garamond" panose="02020404030301010803" pitchFamily="18" charset="0"/>
+              </a:rPr>
+              <a:t>+ better encapsulation.</a:t>
+            </a:r>
+          </a:p>
+          <a:p>
+            <a:endParaRPr lang="en-GB" sz="2800" dirty="0">
+              <a:latin typeface="Garamond" panose="02020404030301010803" pitchFamily="18" charset="0"/>
+            </a:endParaRPr>
+          </a:p>
+          <a:p>
+            <a:r>
+              <a:rPr lang="en-GB" sz="2800" dirty="0">
+                <a:latin typeface="Garamond" panose="02020404030301010803" pitchFamily="18" charset="0"/>
+              </a:rPr>
+              <a:t>- </a:t>
+            </a:r>
+            <a:r>
+              <a:rPr lang="en-GB" sz="2800" dirty="0" err="1">
+                <a:latin typeface="Garamond" panose="02020404030301010803" pitchFamily="18" charset="0"/>
+              </a:rPr>
+              <a:t>Lenght</a:t>
+            </a:r>
+            <a:r>
+              <a:rPr lang="en-GB" sz="2800" dirty="0">
+                <a:latin typeface="Garamond" panose="02020404030301010803" pitchFamily="18" charset="0"/>
+              </a:rPr>
+              <a:t> of the shank can cause a voltage drop.</a:t>
+            </a:r>
+          </a:p>
+          <a:p>
             <a:r>
               <a:rPr lang="es-ES" dirty="0"/>
               <a:t> </a:t>
-            </a:r>
-            <a:r>
-              <a:rPr lang="es-ES" dirty="0" err="1"/>
-              <a:t>of</a:t>
-            </a:r>
-            <a:r>
-              <a:rPr lang="es-ES" dirty="0"/>
-              <a:t> </a:t>
-            </a:r>
-            <a:r>
-              <a:rPr lang="es-ES" dirty="0" err="1"/>
-              <a:t>this</a:t>
-            </a:r>
-            <a:r>
-              <a:rPr lang="es-ES" dirty="0"/>
-              <a:t> </a:t>
-            </a:r>
-            <a:r>
-              <a:rPr lang="es-ES" dirty="0" err="1"/>
-              <a:t>design</a:t>
-            </a:r>
-            <a:r>
-              <a:rPr lang="es-ES" dirty="0"/>
-              <a:t>:</a:t>
-            </a:r>
-          </a:p>
-          <a:p>
-            <a:endParaRPr lang="es-ES" dirty="0"/>
-          </a:p>
-          <a:p>
-            <a:r>
-              <a:rPr lang="es-ES" dirty="0"/>
-              <a:t>+ Easy </a:t>
-            </a:r>
-            <a:r>
-              <a:rPr lang="es-ES" dirty="0" err="1"/>
-              <a:t>to</a:t>
-            </a:r>
-            <a:r>
-              <a:rPr lang="es-ES" dirty="0"/>
-              <a:t> reduce </a:t>
-            </a:r>
-            <a:r>
-              <a:rPr lang="es-ES" dirty="0" err="1"/>
-              <a:t>size</a:t>
-            </a:r>
-            <a:r>
-              <a:rPr lang="es-ES" dirty="0"/>
-              <a:t> </a:t>
-            </a:r>
-            <a:r>
-              <a:rPr lang="es-ES" dirty="0" err="1"/>
-              <a:t>of</a:t>
-            </a:r>
-            <a:r>
-              <a:rPr lang="es-ES" dirty="0"/>
-              <a:t> antena</a:t>
-            </a:r>
-          </a:p>
-          <a:p>
-            <a:r>
-              <a:rPr lang="es-ES" dirty="0"/>
-              <a:t>+ Easy </a:t>
-            </a:r>
-            <a:r>
-              <a:rPr lang="es-ES" dirty="0" err="1"/>
-              <a:t>to</a:t>
-            </a:r>
-            <a:r>
-              <a:rPr lang="es-ES" dirty="0"/>
-              <a:t> </a:t>
-            </a:r>
-            <a:r>
-              <a:rPr lang="es-ES" dirty="0" err="1"/>
-              <a:t>model</a:t>
-            </a:r>
-            <a:r>
-              <a:rPr lang="es-ES" dirty="0"/>
-              <a:t> </a:t>
-            </a:r>
-            <a:r>
-              <a:rPr lang="es-ES" dirty="0" err="1"/>
-              <a:t>the</a:t>
-            </a:r>
-            <a:r>
-              <a:rPr lang="es-ES" dirty="0"/>
-              <a:t> </a:t>
-            </a:r>
-            <a:r>
-              <a:rPr lang="es-ES" dirty="0" err="1"/>
-              <a:t>shank</a:t>
-            </a:r>
-            <a:r>
-              <a:rPr lang="es-ES" dirty="0"/>
-              <a:t> as </a:t>
-            </a:r>
-            <a:r>
-              <a:rPr lang="es-ES" dirty="0" err="1"/>
-              <a:t>separated</a:t>
-            </a:r>
-            <a:r>
-              <a:rPr lang="es-ES" dirty="0"/>
-              <a:t> </a:t>
-            </a:r>
-            <a:r>
-              <a:rPr lang="es-ES" dirty="0" err="1"/>
-              <a:t>from</a:t>
-            </a:r>
-            <a:r>
-              <a:rPr lang="es-ES" dirty="0"/>
-              <a:t> </a:t>
-            </a:r>
-            <a:r>
-              <a:rPr lang="es-ES" dirty="0" err="1"/>
-              <a:t>the</a:t>
-            </a:r>
-            <a:r>
-              <a:rPr lang="es-ES" dirty="0"/>
-              <a:t> </a:t>
-            </a:r>
-            <a:r>
-              <a:rPr lang="es-ES" dirty="0" err="1"/>
-              <a:t>rest</a:t>
-            </a:r>
-            <a:r>
-              <a:rPr lang="es-ES" dirty="0"/>
-              <a:t> </a:t>
-            </a:r>
-            <a:r>
-              <a:rPr lang="es-ES" dirty="0" err="1"/>
-              <a:t>of</a:t>
-            </a:r>
-            <a:r>
-              <a:rPr lang="es-ES" dirty="0"/>
-              <a:t> </a:t>
-            </a:r>
-            <a:r>
-              <a:rPr lang="es-ES" dirty="0" err="1"/>
-              <a:t>the</a:t>
-            </a:r>
-            <a:r>
-              <a:rPr lang="es-ES" dirty="0"/>
-              <a:t> </a:t>
-            </a:r>
-            <a:r>
-              <a:rPr lang="es-ES" dirty="0" err="1"/>
-              <a:t>device</a:t>
-            </a:r>
-            <a:endParaRPr lang="es-ES" dirty="0"/>
-          </a:p>
-          <a:p>
-            <a:r>
-              <a:rPr lang="es-ES" dirty="0"/>
-              <a:t>+ more </a:t>
-            </a:r>
-            <a:r>
-              <a:rPr lang="es-ES" dirty="0" err="1"/>
-              <a:t>length</a:t>
-            </a:r>
-            <a:r>
-              <a:rPr lang="es-ES" dirty="0"/>
-              <a:t> </a:t>
-            </a:r>
-            <a:r>
-              <a:rPr lang="es-ES" dirty="0" err="1"/>
-              <a:t>to</a:t>
-            </a:r>
-            <a:r>
-              <a:rPr lang="es-ES" dirty="0"/>
-              <a:t> </a:t>
-            </a:r>
-            <a:r>
-              <a:rPr lang="es-ES" dirty="0" err="1"/>
-              <a:t>the</a:t>
-            </a:r>
-            <a:r>
-              <a:rPr lang="es-ES" dirty="0"/>
-              <a:t> </a:t>
-            </a:r>
-            <a:r>
-              <a:rPr lang="es-ES" dirty="0" err="1"/>
-              <a:t>shank</a:t>
-            </a:r>
-            <a:r>
-              <a:rPr lang="es-ES" dirty="0"/>
-              <a:t> </a:t>
-            </a:r>
-          </a:p>
-          <a:p>
-            <a:r>
-              <a:rPr lang="es-ES" dirty="0"/>
-              <a:t>+ </a:t>
-            </a:r>
-            <a:r>
-              <a:rPr lang="es-ES" dirty="0" err="1"/>
-              <a:t>better</a:t>
-            </a:r>
-            <a:r>
-              <a:rPr lang="es-ES" dirty="0"/>
-              <a:t> </a:t>
-            </a:r>
-            <a:r>
-              <a:rPr lang="es-ES" dirty="0" err="1"/>
-              <a:t>encapsulation</a:t>
-            </a:r>
-            <a:endParaRPr lang="es-ES" dirty="0"/>
-          </a:p>
-          <a:p>
-            <a:r>
-              <a:rPr lang="es-ES" dirty="0"/>
-              <a:t>- </a:t>
             </a:r>
           </a:p>
         </p:txBody>
@@ -3980,6 +3902,592 @@
     <p:extLst>
       <p:ext uri="{BB962C8B-B14F-4D97-AF65-F5344CB8AC3E}">
         <p14:creationId xmlns:p14="http://schemas.microsoft.com/office/powerpoint/2010/main" val="1984880618"/>
+      </p:ext>
+    </p:extLst>
+  </p:cSld>
+  <p:clrMapOvr>
+    <a:masterClrMapping/>
+  </p:clrMapOvr>
+</p:sld>
+</file>
+
+<file path=ppt/slides/slide6.xml><?xml version="1.0" encoding="utf-8"?>
+<p:sld xmlns:a="http://schemas.openxmlformats.org/drawingml/2006/main" xmlns:r="http://schemas.openxmlformats.org/officeDocument/2006/relationships" xmlns:p="http://schemas.openxmlformats.org/presentationml/2006/main">
+  <p:cSld>
+    <p:spTree>
+      <p:nvGrpSpPr>
+        <p:cNvPr id="1" name=""/>
+        <p:cNvGrpSpPr/>
+        <p:nvPr/>
+      </p:nvGrpSpPr>
+      <p:grpSpPr>
+        <a:xfrm>
+          <a:off x="0" y="0"/>
+          <a:ext cx="0" cy="0"/>
+          <a:chOff x="0" y="0"/>
+          <a:chExt cx="0" cy="0"/>
+        </a:xfrm>
+      </p:grpSpPr>
+      <p:sp>
+        <p:nvSpPr>
+          <p:cNvPr id="6" name="object 6"/>
+          <p:cNvSpPr/>
+          <p:nvPr/>
+        </p:nvSpPr>
+        <p:spPr>
+          <a:xfrm>
+            <a:off x="5080" y="-15239"/>
+            <a:ext cx="12185902" cy="1097279"/>
+          </a:xfrm>
+          <a:custGeom>
+            <a:avLst/>
+            <a:gdLst/>
+            <a:ahLst/>
+            <a:cxnLst/>
+            <a:rect l="l" t="t" r="r" b="b"/>
+            <a:pathLst>
+              <a:path w="1896110" h="1463040">
+                <a:moveTo>
+                  <a:pt x="0" y="1463039"/>
+                </a:moveTo>
+                <a:lnTo>
+                  <a:pt x="1895856" y="1463039"/>
+                </a:lnTo>
+                <a:lnTo>
+                  <a:pt x="1895856" y="0"/>
+                </a:lnTo>
+                <a:lnTo>
+                  <a:pt x="0" y="0"/>
+                </a:lnTo>
+                <a:lnTo>
+                  <a:pt x="0" y="1463039"/>
+                </a:lnTo>
+                <a:close/>
+              </a:path>
+            </a:pathLst>
+          </a:custGeom>
+          <a:solidFill>
+            <a:schemeClr val="bg1">
+              <a:lumMod val="95000"/>
+            </a:schemeClr>
+          </a:solidFill>
+        </p:spPr>
+        <p:txBody>
+          <a:bodyPr wrap="square" lIns="0" tIns="0" rIns="0" bIns="0" rtlCol="0"/>
+          <a:lstStyle/>
+          <a:p>
+            <a:endParaRPr dirty="0"/>
+          </a:p>
+        </p:txBody>
+      </p:sp>
+      <p:sp>
+        <p:nvSpPr>
+          <p:cNvPr id="3" name="object 3"/>
+          <p:cNvSpPr txBox="1">
+            <a:spLocks noGrp="1"/>
+          </p:cNvSpPr>
+          <p:nvPr>
+            <p:ph type="title"/>
+          </p:nvPr>
+        </p:nvSpPr>
+        <p:spPr>
+          <a:xfrm>
+            <a:off x="3352800" y="261619"/>
+            <a:ext cx="6745605" cy="574040"/>
+          </a:xfrm>
+          <a:prstGeom prst="rect">
+            <a:avLst/>
+          </a:prstGeom>
+        </p:spPr>
+        <p:txBody>
+          <a:bodyPr vert="horz" wrap="square" lIns="0" tIns="12700" rIns="0" bIns="0" rtlCol="0">
+            <a:spAutoFit/>
+          </a:bodyPr>
+          <a:lstStyle/>
+          <a:p>
+            <a:pPr marL="12700" algn="l">
+              <a:lnSpc>
+                <a:spcPct val="100000"/>
+              </a:lnSpc>
+              <a:spcBef>
+                <a:spcPts val="100"/>
+              </a:spcBef>
+              <a:tabLst>
+                <a:tab pos="2682875" algn="l"/>
+                <a:tab pos="3975100" algn="l"/>
+              </a:tabLst>
+            </a:pPr>
+            <a:r>
+              <a:rPr lang="es-ES" spc="-60" dirty="0">
+                <a:latin typeface="Garamond" panose="02020404030301010803" pitchFamily="18" charset="0"/>
+              </a:rPr>
+              <a:t>6. Next </a:t>
+            </a:r>
+            <a:r>
+              <a:rPr lang="es-ES" spc="-60" dirty="0" err="1">
+                <a:latin typeface="Garamond" panose="02020404030301010803" pitchFamily="18" charset="0"/>
+              </a:rPr>
+              <a:t>steps</a:t>
+            </a:r>
+            <a:endParaRPr spc="-60" dirty="0">
+              <a:latin typeface="Garamond" panose="02020404030301010803" pitchFamily="18" charset="0"/>
+            </a:endParaRPr>
+          </a:p>
+        </p:txBody>
+      </p:sp>
+      <p:sp>
+        <p:nvSpPr>
+          <p:cNvPr id="4" name="object 4"/>
+          <p:cNvSpPr/>
+          <p:nvPr/>
+        </p:nvSpPr>
+        <p:spPr>
+          <a:xfrm>
+            <a:off x="0" y="0"/>
+            <a:ext cx="1468120" cy="35560"/>
+          </a:xfrm>
+          <a:custGeom>
+            <a:avLst/>
+            <a:gdLst/>
+            <a:ahLst/>
+            <a:cxnLst/>
+            <a:rect l="l" t="t" r="r" b="b"/>
+            <a:pathLst>
+              <a:path w="1468120" h="35560">
+                <a:moveTo>
+                  <a:pt x="0" y="35051"/>
+                </a:moveTo>
+                <a:lnTo>
+                  <a:pt x="1467612" y="35051"/>
+                </a:lnTo>
+                <a:lnTo>
+                  <a:pt x="1467612" y="0"/>
+                </a:lnTo>
+                <a:lnTo>
+                  <a:pt x="0" y="0"/>
+                </a:lnTo>
+                <a:lnTo>
+                  <a:pt x="0" y="35051"/>
+                </a:lnTo>
+                <a:close/>
+              </a:path>
+            </a:pathLst>
+          </a:custGeom>
+          <a:solidFill>
+            <a:srgbClr val="E4E4E4">
+              <a:alpha val="63920"/>
+            </a:srgbClr>
+          </a:solidFill>
+        </p:spPr>
+        <p:txBody>
+          <a:bodyPr wrap="square" lIns="0" tIns="0" rIns="0" bIns="0" rtlCol="0"/>
+          <a:lstStyle/>
+          <a:p>
+            <a:endParaRPr/>
+          </a:p>
+        </p:txBody>
+      </p:sp>
+      <p:sp>
+        <p:nvSpPr>
+          <p:cNvPr id="8" name="object 8"/>
+          <p:cNvSpPr/>
+          <p:nvPr/>
+        </p:nvSpPr>
+        <p:spPr>
+          <a:xfrm>
+            <a:off x="0" y="0"/>
+            <a:ext cx="2447544" cy="1097279"/>
+          </a:xfrm>
+          <a:prstGeom prst="rect">
+            <a:avLst/>
+          </a:prstGeom>
+          <a:blipFill>
+            <a:blip r:embed="rId2" cstate="print"/>
+            <a:stretch>
+              <a:fillRect/>
+            </a:stretch>
+          </a:blipFill>
+        </p:spPr>
+        <p:txBody>
+          <a:bodyPr wrap="square" lIns="0" tIns="0" rIns="0" bIns="0" rtlCol="0"/>
+          <a:lstStyle/>
+          <a:p>
+            <a:endParaRPr/>
+          </a:p>
+        </p:txBody>
+      </p:sp>
+      <p:sp>
+        <p:nvSpPr>
+          <p:cNvPr id="2" name="TextBox 1">
+            <a:extLst>
+              <a:ext uri="{FF2B5EF4-FFF2-40B4-BE49-F238E27FC236}">
+                <a16:creationId xmlns:a16="http://schemas.microsoft.com/office/drawing/2014/main" id="{EC7E3A0A-646C-4E93-9CB6-A6A13DF476E0}"/>
+              </a:ext>
+            </a:extLst>
+          </p:cNvPr>
+          <p:cNvSpPr txBox="1"/>
+          <p:nvPr/>
+        </p:nvSpPr>
+        <p:spPr>
+          <a:xfrm>
+            <a:off x="734060" y="1752600"/>
+            <a:ext cx="8763000" cy="4031873"/>
+          </a:xfrm>
+          <a:prstGeom prst="rect">
+            <a:avLst/>
+          </a:prstGeom>
+          <a:noFill/>
+        </p:spPr>
+        <p:txBody>
+          <a:bodyPr wrap="square" rtlCol="0">
+            <a:spAutoFit/>
+          </a:bodyPr>
+          <a:lstStyle/>
+          <a:p>
+            <a:pPr marL="342900" indent="-342900">
+              <a:buFont typeface="+mj-lt"/>
+              <a:buAutoNum type="arabicPeriod"/>
+            </a:pPr>
+            <a:r>
+              <a:rPr lang="en-GB" sz="3200" dirty="0">
+                <a:latin typeface="Garamond" panose="02020404030301010803" pitchFamily="18" charset="0"/>
+              </a:rPr>
+              <a:t>Design </a:t>
+            </a:r>
+            <a:r>
+              <a:rPr lang="en-GB" sz="3200" dirty="0" err="1">
+                <a:latin typeface="Garamond" panose="02020404030301010803" pitchFamily="18" charset="0"/>
+              </a:rPr>
+              <a:t>antena</a:t>
+            </a:r>
+            <a:r>
+              <a:rPr lang="en-GB" sz="3200" dirty="0">
+                <a:latin typeface="Garamond" panose="02020404030301010803" pitchFamily="18" charset="0"/>
+              </a:rPr>
+              <a:t> for our device </a:t>
+            </a:r>
+            <a:r>
+              <a:rPr lang="en-GB" sz="3200" dirty="0" err="1">
+                <a:latin typeface="Garamond" panose="02020404030301010803" pitchFamily="18" charset="0"/>
+              </a:rPr>
+              <a:t>dimensión</a:t>
+            </a:r>
+            <a:r>
+              <a:rPr lang="en-GB" sz="3200" dirty="0">
+                <a:latin typeface="Garamond" panose="02020404030301010803" pitchFamily="18" charset="0"/>
+              </a:rPr>
+              <a:t> 1x1cm</a:t>
+            </a:r>
+          </a:p>
+          <a:p>
+            <a:pPr marL="342900" indent="-342900">
+              <a:buFont typeface="+mj-lt"/>
+              <a:buAutoNum type="arabicPeriod"/>
+            </a:pPr>
+            <a:r>
+              <a:rPr lang="en-GB" sz="3200" dirty="0">
+                <a:latin typeface="Garamond" panose="02020404030301010803" pitchFamily="18" charset="0"/>
+              </a:rPr>
+              <a:t>Design shank of LED</a:t>
+            </a:r>
+          </a:p>
+          <a:p>
+            <a:pPr marL="342900" indent="-342900">
+              <a:buFont typeface="+mj-lt"/>
+              <a:buAutoNum type="arabicPeriod"/>
+            </a:pPr>
+            <a:r>
+              <a:rPr lang="en-GB" sz="3200" dirty="0" err="1">
+                <a:latin typeface="Garamond" panose="02020404030301010803" pitchFamily="18" charset="0"/>
+              </a:rPr>
+              <a:t>Develope</a:t>
+            </a:r>
+            <a:r>
+              <a:rPr lang="en-GB" sz="3200" dirty="0">
+                <a:latin typeface="Garamond" panose="02020404030301010803" pitchFamily="18" charset="0"/>
+              </a:rPr>
+              <a:t> coating model of the device</a:t>
+            </a:r>
+          </a:p>
+          <a:p>
+            <a:pPr marL="342900" indent="-342900">
+              <a:buFont typeface="+mj-lt"/>
+              <a:buAutoNum type="arabicPeriod"/>
+            </a:pPr>
+            <a:r>
+              <a:rPr lang="es-ES" sz="3200" dirty="0" err="1">
+                <a:latin typeface="Garamond" panose="02020404030301010803" pitchFamily="18" charset="0"/>
+              </a:rPr>
+              <a:t>Think</a:t>
+            </a:r>
+            <a:r>
+              <a:rPr lang="es-ES" sz="3200" dirty="0">
+                <a:latin typeface="Garamond" panose="02020404030301010803" pitchFamily="18" charset="0"/>
+              </a:rPr>
+              <a:t> </a:t>
+            </a:r>
+            <a:r>
+              <a:rPr lang="es-ES" sz="3200" dirty="0" err="1">
+                <a:latin typeface="Garamond" panose="02020404030301010803" pitchFamily="18" charset="0"/>
+              </a:rPr>
+              <a:t>about</a:t>
+            </a:r>
+            <a:r>
+              <a:rPr lang="es-ES" sz="3200" dirty="0">
+                <a:latin typeface="Garamond" panose="02020404030301010803" pitchFamily="18" charset="0"/>
+              </a:rPr>
+              <a:t> </a:t>
+            </a:r>
+            <a:r>
+              <a:rPr lang="es-ES" sz="3200" dirty="0" err="1">
+                <a:latin typeface="Garamond" panose="02020404030301010803" pitchFamily="18" charset="0"/>
+              </a:rPr>
+              <a:t>the</a:t>
+            </a:r>
+            <a:r>
+              <a:rPr lang="es-ES" sz="3200" dirty="0">
+                <a:latin typeface="Garamond" panose="02020404030301010803" pitchFamily="18" charset="0"/>
+              </a:rPr>
+              <a:t> final </a:t>
+            </a:r>
+            <a:r>
+              <a:rPr lang="es-ES" sz="3200" dirty="0" err="1">
+                <a:latin typeface="Garamond" panose="02020404030301010803" pitchFamily="18" charset="0"/>
+              </a:rPr>
+              <a:t>prototype</a:t>
+            </a:r>
+            <a:r>
+              <a:rPr lang="es-ES" sz="3200" dirty="0">
+                <a:latin typeface="Garamond" panose="02020404030301010803" pitchFamily="18" charset="0"/>
+              </a:rPr>
+              <a:t> </a:t>
+            </a:r>
+            <a:r>
+              <a:rPr lang="es-ES" sz="3200" dirty="0" err="1">
+                <a:latin typeface="Garamond" panose="02020404030301010803" pitchFamily="18" charset="0"/>
+              </a:rPr>
+              <a:t>of</a:t>
+            </a:r>
+            <a:r>
+              <a:rPr lang="es-ES" sz="3200" dirty="0">
+                <a:latin typeface="Garamond" panose="02020404030301010803" pitchFamily="18" charset="0"/>
+              </a:rPr>
+              <a:t> </a:t>
+            </a:r>
+            <a:r>
+              <a:rPr lang="es-ES" sz="3200" dirty="0" err="1">
+                <a:latin typeface="Garamond" panose="02020404030301010803" pitchFamily="18" charset="0"/>
+              </a:rPr>
+              <a:t>the</a:t>
+            </a:r>
+            <a:r>
+              <a:rPr lang="es-ES" sz="3200" dirty="0">
+                <a:latin typeface="Garamond" panose="02020404030301010803" pitchFamily="18" charset="0"/>
+              </a:rPr>
+              <a:t> </a:t>
+            </a:r>
+            <a:r>
+              <a:rPr lang="es-ES" sz="3200" dirty="0" err="1">
+                <a:latin typeface="Garamond" panose="02020404030301010803" pitchFamily="18" charset="0"/>
+              </a:rPr>
+              <a:t>device</a:t>
+            </a:r>
+            <a:endParaRPr lang="es-ES" sz="3200" dirty="0">
+              <a:latin typeface="Garamond" panose="02020404030301010803" pitchFamily="18" charset="0"/>
+            </a:endParaRPr>
+          </a:p>
+          <a:p>
+            <a:pPr marL="342900" indent="-342900">
+              <a:buFont typeface="+mj-lt"/>
+              <a:buAutoNum type="arabicPeriod"/>
+            </a:pPr>
+            <a:r>
+              <a:rPr lang="es-ES" sz="3200" dirty="0" err="1">
+                <a:latin typeface="Garamond" panose="02020404030301010803" pitchFamily="18" charset="0"/>
+              </a:rPr>
+              <a:t>Research</a:t>
+            </a:r>
+            <a:r>
+              <a:rPr lang="es-ES" sz="3200" dirty="0">
+                <a:latin typeface="Garamond" panose="02020404030301010803" pitchFamily="18" charset="0"/>
+              </a:rPr>
+              <a:t> </a:t>
+            </a:r>
+            <a:r>
+              <a:rPr lang="es-ES" sz="3200" dirty="0" err="1">
+                <a:latin typeface="Garamond" panose="02020404030301010803" pitchFamily="18" charset="0"/>
+              </a:rPr>
+              <a:t>about</a:t>
+            </a:r>
+            <a:r>
+              <a:rPr lang="es-ES" sz="3200" dirty="0">
+                <a:latin typeface="Garamond" panose="02020404030301010803" pitchFamily="18" charset="0"/>
+              </a:rPr>
+              <a:t> LED </a:t>
+            </a:r>
+            <a:r>
+              <a:rPr lang="es-ES" sz="3200" dirty="0" err="1">
+                <a:latin typeface="Garamond" panose="02020404030301010803" pitchFamily="18" charset="0"/>
+              </a:rPr>
+              <a:t>soldering</a:t>
+            </a:r>
+            <a:endParaRPr lang="es-ES" sz="3200" dirty="0">
+              <a:latin typeface="Garamond" panose="02020404030301010803" pitchFamily="18" charset="0"/>
+            </a:endParaRPr>
+          </a:p>
+          <a:p>
+            <a:pPr marL="342900" indent="-342900">
+              <a:buFont typeface="+mj-lt"/>
+              <a:buAutoNum type="arabicPeriod"/>
+            </a:pPr>
+            <a:r>
+              <a:rPr lang="es-ES" sz="3200" dirty="0">
+                <a:latin typeface="Garamond" panose="02020404030301010803" pitchFamily="18" charset="0"/>
+              </a:rPr>
+              <a:t>Test </a:t>
+            </a:r>
+            <a:r>
+              <a:rPr lang="es-ES" sz="3200" dirty="0" err="1">
+                <a:latin typeface="Garamond" panose="02020404030301010803" pitchFamily="18" charset="0"/>
+              </a:rPr>
+              <a:t>mechanical</a:t>
+            </a:r>
+            <a:r>
+              <a:rPr lang="es-ES" sz="3200" dirty="0">
+                <a:latin typeface="Garamond" panose="02020404030301010803" pitchFamily="18" charset="0"/>
+              </a:rPr>
+              <a:t> </a:t>
+            </a:r>
+            <a:r>
+              <a:rPr lang="es-ES" sz="3200" dirty="0" err="1">
+                <a:latin typeface="Garamond" panose="02020404030301010803" pitchFamily="18" charset="0"/>
+              </a:rPr>
+              <a:t>propoerties</a:t>
+            </a:r>
+            <a:r>
+              <a:rPr lang="es-ES" sz="3200" dirty="0">
+                <a:latin typeface="Garamond" panose="02020404030301010803" pitchFamily="18" charset="0"/>
+              </a:rPr>
+              <a:t> </a:t>
+            </a:r>
+            <a:r>
+              <a:rPr lang="es-ES" sz="3200" dirty="0" err="1">
+                <a:latin typeface="Garamond" panose="02020404030301010803" pitchFamily="18" charset="0"/>
+              </a:rPr>
+              <a:t>of</a:t>
+            </a:r>
+            <a:r>
+              <a:rPr lang="es-ES" sz="3200" dirty="0">
+                <a:latin typeface="Garamond" panose="02020404030301010803" pitchFamily="18" charset="0"/>
+              </a:rPr>
+              <a:t> final </a:t>
+            </a:r>
+            <a:r>
+              <a:rPr lang="es-ES" sz="3200" dirty="0" err="1">
+                <a:latin typeface="Garamond" panose="02020404030301010803" pitchFamily="18" charset="0"/>
+              </a:rPr>
+              <a:t>device</a:t>
+            </a:r>
+            <a:endParaRPr lang="es-ES" sz="3200" dirty="0">
+              <a:latin typeface="Garamond" panose="02020404030301010803" pitchFamily="18" charset="0"/>
+            </a:endParaRPr>
+          </a:p>
+          <a:p>
+            <a:pPr marL="342900" indent="-342900">
+              <a:buFont typeface="+mj-lt"/>
+              <a:buAutoNum type="arabicPeriod"/>
+            </a:pPr>
+            <a:r>
+              <a:rPr lang="es-ES" sz="3200" dirty="0" err="1">
+                <a:latin typeface="Garamond" panose="02020404030301010803" pitchFamily="18" charset="0"/>
+              </a:rPr>
+              <a:t>Find</a:t>
+            </a:r>
+            <a:r>
+              <a:rPr lang="es-ES" sz="3200" dirty="0">
+                <a:latin typeface="Garamond" panose="02020404030301010803" pitchFamily="18" charset="0"/>
+              </a:rPr>
+              <a:t> </a:t>
+            </a:r>
+            <a:r>
+              <a:rPr lang="es-ES" sz="3200" dirty="0" err="1">
+                <a:latin typeface="Garamond" panose="02020404030301010803" pitchFamily="18" charset="0"/>
+              </a:rPr>
+              <a:t>onchip</a:t>
+            </a:r>
+            <a:r>
+              <a:rPr lang="es-ES" sz="3200" dirty="0">
+                <a:latin typeface="Garamond" panose="02020404030301010803" pitchFamily="18" charset="0"/>
+              </a:rPr>
+              <a:t> </a:t>
+            </a:r>
+            <a:r>
+              <a:rPr lang="es-ES" sz="3200" dirty="0" err="1">
+                <a:latin typeface="Garamond" panose="02020404030301010803" pitchFamily="18" charset="0"/>
+              </a:rPr>
+              <a:t>rectifier</a:t>
+            </a:r>
+            <a:endParaRPr lang="es-ES" sz="3200" dirty="0">
+              <a:latin typeface="Garamond" panose="02020404030301010803" pitchFamily="18" charset="0"/>
+            </a:endParaRPr>
+          </a:p>
+          <a:p>
+            <a:pPr marL="342900" indent="-342900">
+              <a:buFont typeface="+mj-lt"/>
+              <a:buAutoNum type="arabicPeriod"/>
+            </a:pPr>
+            <a:r>
+              <a:rPr lang="es-ES" sz="3200" dirty="0" err="1">
+                <a:latin typeface="Garamond" panose="02020404030301010803" pitchFamily="18" charset="0"/>
+              </a:rPr>
+              <a:t>Improve</a:t>
+            </a:r>
+            <a:r>
+              <a:rPr lang="es-ES" sz="3200" dirty="0">
+                <a:latin typeface="Garamond" panose="02020404030301010803" pitchFamily="18" charset="0"/>
+              </a:rPr>
+              <a:t> </a:t>
+            </a:r>
+            <a:r>
+              <a:rPr lang="es-ES" sz="3200" dirty="0" err="1">
+                <a:latin typeface="Garamond" panose="02020404030301010803" pitchFamily="18" charset="0"/>
+              </a:rPr>
+              <a:t>efficiency</a:t>
+            </a:r>
+            <a:r>
+              <a:rPr lang="es-ES" sz="3200" dirty="0">
+                <a:latin typeface="Garamond" panose="02020404030301010803" pitchFamily="18" charset="0"/>
+              </a:rPr>
+              <a:t> </a:t>
+            </a:r>
+            <a:r>
+              <a:rPr lang="es-ES" sz="3200" dirty="0" err="1">
+                <a:latin typeface="Garamond" panose="02020404030301010803" pitchFamily="18" charset="0"/>
+              </a:rPr>
+              <a:t>of</a:t>
+            </a:r>
+            <a:r>
+              <a:rPr lang="es-ES" sz="3200" dirty="0">
+                <a:latin typeface="Garamond" panose="02020404030301010803" pitchFamily="18" charset="0"/>
+              </a:rPr>
+              <a:t> </a:t>
+            </a:r>
+            <a:r>
+              <a:rPr lang="es-ES" sz="3200" dirty="0" err="1">
+                <a:latin typeface="Garamond" panose="02020404030301010803" pitchFamily="18" charset="0"/>
+              </a:rPr>
+              <a:t>circuit</a:t>
+            </a:r>
+            <a:endParaRPr lang="es-ES" sz="3200" dirty="0">
+              <a:latin typeface="Garamond" panose="02020404030301010803" pitchFamily="18" charset="0"/>
+            </a:endParaRPr>
+          </a:p>
+        </p:txBody>
+      </p:sp>
+    </p:spTree>
+    <p:extLst>
+      <p:ext uri="{BB962C8B-B14F-4D97-AF65-F5344CB8AC3E}">
+        <p14:creationId xmlns:p14="http://schemas.microsoft.com/office/powerpoint/2010/main" val="3700481293"/>
       </p:ext>
     </p:extLst>
   </p:cSld>

--- a/Individual_Contribution/GabrielGaleote/proofOfConcept/proofOfConcept.pptx
+++ b/Individual_Contribution/GabrielGaleote/proofOfConcept/proofOfConcept.pptx
@@ -4176,7 +4176,7 @@
               <a:rPr lang="en-GB" sz="3200" dirty="0">
                 <a:latin typeface="Garamond" panose="02020404030301010803" pitchFamily="18" charset="0"/>
               </a:rPr>
-              <a:t> 1x1cm</a:t>
+              <a:t> 2x2cm</a:t>
             </a:r>
           </a:p>
           <a:p>
